--- a/Final Project/Final Project - Deep Learning.pptx
+++ b/Final Project/Final Project - Deep Learning.pptx
@@ -5,18 +5,24 @@
     <p:sldMasterId id="2147483648" r:id="rId1"/>
   </p:sldMasterIdLst>
   <p:notesMasterIdLst>
-    <p:notesMasterId r:id="rId6"/>
+    <p:notesMasterId r:id="rId12"/>
   </p:notesMasterIdLst>
   <p:sldIdLst>
     <p:sldId id="259" r:id="rId2"/>
     <p:sldId id="290" r:id="rId3"/>
     <p:sldId id="291" r:id="rId4"/>
     <p:sldId id="293" r:id="rId5"/>
+    <p:sldId id="297" r:id="rId6"/>
+    <p:sldId id="298" r:id="rId7"/>
+    <p:sldId id="299" r:id="rId8"/>
+    <p:sldId id="300" r:id="rId9"/>
+    <p:sldId id="301" r:id="rId10"/>
+    <p:sldId id="302" r:id="rId11"/>
   </p:sldIdLst>
   <p:sldSz cx="12192000" cy="6858000"/>
   <p:notesSz cx="6858000" cy="9144000"/>
   <p:custDataLst>
-    <p:tags r:id="rId7"/>
+    <p:tags r:id="rId13"/>
   </p:custDataLst>
   <p:defaultTextStyle>
     <a:defPPr>
@@ -168,7 +174,7 @@
           <c:spPr>
             <a:ln w="19050" algn="ctr">
               <a:solidFill>
-                <a:srgbClr val="C30C3E"/>
+                <a:schemeClr val="tx2"/>
               </a:solidFill>
               <a:prstDash val="solid"/>
             </a:ln>
@@ -608,7 +614,7 @@
           <c:smooth val="0"/>
           <c:extLst>
             <c:ext xmlns:c16="http://schemas.microsoft.com/office/drawing/2014/chart" uri="{C3380CC4-5D6E-409C-BE32-E72D297353CC}">
-              <c16:uniqueId val="{00000000-D6B1-489C-BCAA-FB41E8229DF5}"/>
+              <c16:uniqueId val="{00000000-8548-469C-9177-9338DA2DA3C7}"/>
             </c:ext>
           </c:extLst>
         </c:ser>
@@ -618,7 +624,7 @@
           <c:spPr>
             <a:ln w="19050" algn="ctr">
               <a:solidFill>
-                <a:srgbClr val="000000"/>
+                <a:srgbClr val="9DB1CF"/>
               </a:solidFill>
               <a:prstDash val="solid"/>
             </a:ln>
@@ -1058,7 +1064,7 @@
           <c:smooth val="0"/>
           <c:extLst>
             <c:ext xmlns:c16="http://schemas.microsoft.com/office/drawing/2014/chart" uri="{C3380CC4-5D6E-409C-BE32-E72D297353CC}">
-              <c16:uniqueId val="{00000001-D6B1-489C-BCAA-FB41E8229DF5}"/>
+              <c16:uniqueId val="{00000001-8548-469C-9177-9338DA2DA3C7}"/>
             </c:ext>
           </c:extLst>
         </c:ser>
@@ -1508,7 +1514,7 @@
           <c:smooth val="0"/>
           <c:extLst>
             <c:ext xmlns:c16="http://schemas.microsoft.com/office/drawing/2014/chart" uri="{C3380CC4-5D6E-409C-BE32-E72D297353CC}">
-              <c16:uniqueId val="{00000002-D6B1-489C-BCAA-FB41E8229DF5}"/>
+              <c16:uniqueId val="{00000002-8548-469C-9177-9338DA2DA3C7}"/>
             </c:ext>
           </c:extLst>
         </c:ser>
@@ -1518,7 +1524,7 @@
           <c:spPr>
             <a:ln w="19050" algn="ctr">
               <a:solidFill>
-                <a:schemeClr val="accent4"/>
+                <a:schemeClr val="bg2"/>
               </a:solidFill>
               <a:prstDash val="solid"/>
             </a:ln>
@@ -1958,7 +1964,7 @@
           <c:smooth val="0"/>
           <c:extLst>
             <c:ext xmlns:c16="http://schemas.microsoft.com/office/drawing/2014/chart" uri="{C3380CC4-5D6E-409C-BE32-E72D297353CC}">
-              <c16:uniqueId val="{00000003-D6B1-489C-BCAA-FB41E8229DF5}"/>
+              <c16:uniqueId val="{00000003-8548-469C-9177-9338DA2DA3C7}"/>
             </c:ext>
           </c:extLst>
         </c:ser>
@@ -2408,7 +2414,7 @@
           <c:smooth val="0"/>
           <c:extLst>
             <c:ext xmlns:c16="http://schemas.microsoft.com/office/drawing/2014/chart" uri="{C3380CC4-5D6E-409C-BE32-E72D297353CC}">
-              <c16:uniqueId val="{00000004-D6B1-489C-BCAA-FB41E8229DF5}"/>
+              <c16:uniqueId val="{00000004-8548-469C-9177-9338DA2DA3C7}"/>
             </c:ext>
           </c:extLst>
         </c:ser>
@@ -2421,11 +2427,11 @@
           <c:showBubbleSize val="0"/>
         </c:dLbls>
         <c:smooth val="0"/>
-        <c:axId val="1885663360"/>
+        <c:axId val="711695872"/>
         <c:axId val="1"/>
       </c:lineChart>
       <c:catAx>
-        <c:axId val="1885663360"/>
+        <c:axId val="711695872"/>
         <c:scaling>
           <c:orientation val="minMax"/>
         </c:scaling>
@@ -2503,7 +2509,7 @@
             <a:endParaRPr lang="en-US"/>
           </a:p>
         </c:txPr>
-        <c:crossAx val="1885663360"/>
+        <c:crossAx val="711695872"/>
         <c:crosses val="min"/>
         <c:crossBetween val="midCat"/>
         <c:majorUnit val="10"/>
@@ -5197,7 +5203,7 @@
           <a:graphicData uri="http://schemas.openxmlformats.org/presentationml/2006/ole">
             <mc:AlternateContent xmlns:mc="http://schemas.openxmlformats.org/markup-compatibility/2006">
               <mc:Choice xmlns:v="urn:schemas-microsoft-com:vml" Requires="v">
-                <p:oleObj spid="_x0000_s1266" name="think-cell Slide" r:id="rId16" imgW="592" imgH="591" progId="TCLayout.ActiveDocument.1">
+                <p:oleObj spid="_x0000_s1272" name="think-cell Slide" r:id="rId16" imgW="592" imgH="591" progId="TCLayout.ActiveDocument.1">
                   <p:embed/>
                 </p:oleObj>
               </mc:Choice>
@@ -5839,7 +5845,7 @@
           <a:graphicData uri="http://schemas.openxmlformats.org/presentationml/2006/ole">
             <mc:AlternateContent xmlns:mc="http://schemas.openxmlformats.org/markup-compatibility/2006">
               <mc:Choice xmlns:v="urn:schemas-microsoft-com:vml" Requires="v">
-                <p:oleObj spid="_x0000_s2293" name="think-cell Slide" r:id="rId4" imgW="592" imgH="591" progId="TCLayout.ActiveDocument.1">
+                <p:oleObj spid="_x0000_s2299" name="think-cell Slide" r:id="rId4" imgW="592" imgH="591" progId="TCLayout.ActiveDocument.1">
                   <p:embed/>
                 </p:oleObj>
               </mc:Choice>
@@ -6093,6 +6099,177 @@
 </p:sld>
 </file>
 
+<file path=ppt/slides/slide10.xml><?xml version="1.0" encoding="utf-8"?>
+<p:sld xmlns:a="http://schemas.openxmlformats.org/drawingml/2006/main" xmlns:r="http://schemas.openxmlformats.org/officeDocument/2006/relationships" xmlns:p="http://schemas.openxmlformats.org/presentationml/2006/main">
+  <p:cSld>
+    <p:spTree>
+      <p:nvGrpSpPr>
+        <p:cNvPr id="1" name=""/>
+        <p:cNvGrpSpPr/>
+        <p:nvPr/>
+      </p:nvGrpSpPr>
+      <p:grpSpPr>
+        <a:xfrm>
+          <a:off x="0" y="0"/>
+          <a:ext cx="0" cy="0"/>
+          <a:chOff x="0" y="0"/>
+          <a:chExt cx="0" cy="0"/>
+        </a:xfrm>
+      </p:grpSpPr>
+      <p:graphicFrame>
+        <p:nvGraphicFramePr>
+          <p:cNvPr id="4" name="Object 3" hidden="1"/>
+          <p:cNvGraphicFramePr>
+            <a:graphicFrameLocks noChangeAspect="1"/>
+          </p:cNvGraphicFramePr>
+          <p:nvPr>
+            <p:custDataLst>
+              <p:tags r:id="rId2"/>
+            </p:custDataLst>
+          </p:nvPr>
+        </p:nvGraphicFramePr>
+        <p:xfrm>
+          <a:off x="1588" y="1588"/>
+          <a:ext cx="1588" cy="1588"/>
+        </p:xfrm>
+        <a:graphic>
+          <a:graphicData uri="http://schemas.openxmlformats.org/presentationml/2006/ole">
+            <mc:AlternateContent xmlns:mc="http://schemas.openxmlformats.org/markup-compatibility/2006">
+              <mc:Choice xmlns:v="urn:schemas-microsoft-com:vml" Requires="v">
+                <p:oleObj spid="_x0000_s54283" name="think-cell Slide" r:id="rId4" imgW="592" imgH="591" progId="TCLayout.ActiveDocument.1">
+                  <p:embed/>
+                </p:oleObj>
+              </mc:Choice>
+              <mc:Fallback>
+                <p:oleObj name="think-cell Slide" r:id="rId4" imgW="592" imgH="591" progId="TCLayout.ActiveDocument.1">
+                  <p:embed/>
+                  <p:pic>
+                    <p:nvPicPr>
+                      <p:cNvPr id="4" name="Object 3" hidden="1"/>
+                      <p:cNvPicPr/>
+                      <p:nvPr/>
+                    </p:nvPicPr>
+                    <p:blipFill>
+                      <a:blip r:embed="rId5"/>
+                      <a:stretch>
+                        <a:fillRect/>
+                      </a:stretch>
+                    </p:blipFill>
+                    <p:spPr>
+                      <a:xfrm>
+                        <a:off x="1588" y="1588"/>
+                        <a:ext cx="1588" cy="1588"/>
+                      </a:xfrm>
+                      <a:prstGeom prst="rect">
+                        <a:avLst/>
+                      </a:prstGeom>
+                    </p:spPr>
+                  </p:pic>
+                </p:oleObj>
+              </mc:Fallback>
+            </mc:AlternateContent>
+          </a:graphicData>
+        </a:graphic>
+      </p:graphicFrame>
+      <p:sp>
+        <p:nvSpPr>
+          <p:cNvPr id="2" name="TextBox 1"/>
+          <p:cNvSpPr txBox="1"/>
+          <p:nvPr/>
+        </p:nvSpPr>
+        <p:spPr>
+          <a:xfrm>
+            <a:off x="651587" y="699798"/>
+            <a:ext cx="10888825" cy="830997"/>
+          </a:xfrm>
+          <a:prstGeom prst="rect">
+            <a:avLst/>
+          </a:prstGeom>
+          <a:noFill/>
+        </p:spPr>
+        <p:txBody>
+          <a:bodyPr wrap="square" rtlCol="0">
+            <a:spAutoFit/>
+          </a:bodyPr>
+          <a:lstStyle/>
+          <a:p>
+            <a:r>
+              <a:rPr lang="en-US" sz="2400" b="1" dirty="0">
+                <a:solidFill>
+                  <a:schemeClr val="tx2"/>
+                </a:solidFill>
+              </a:rPr>
+              <a:t>Conclusions &amp; Model Results| </a:t>
+            </a:r>
+            <a:r>
+              <a:rPr lang="en-US" sz="2400" dirty="0">
+                <a:solidFill>
+                  <a:schemeClr val="tx2"/>
+                </a:solidFill>
+              </a:rPr>
+              <a:t>We can reasonably forecast future COVID19 cases at a Global scale, but models do not pick up trends Locally</a:t>
+            </a:r>
+          </a:p>
+        </p:txBody>
+      </p:sp>
+      <p:pic>
+        <p:nvPicPr>
+          <p:cNvPr id="117" name="Picture 72" descr="Duke University Logo - The Association for the Advancement of  Sustainability in Higher Education">
+            <a:extLst>
+              <a:ext uri="{FF2B5EF4-FFF2-40B4-BE49-F238E27FC236}">
+                <a16:creationId xmlns:a16="http://schemas.microsoft.com/office/drawing/2014/main" id="{C5EE37C7-2CBF-4129-9D96-CEEB7DBACDCA}"/>
+              </a:ext>
+            </a:extLst>
+          </p:cNvPr>
+          <p:cNvPicPr>
+            <a:picLocks noChangeAspect="1" noChangeArrowheads="1"/>
+          </p:cNvPicPr>
+          <p:nvPr/>
+        </p:nvPicPr>
+        <p:blipFill rotWithShape="1">
+          <a:blip r:embed="rId6" cstate="print">
+            <a:extLst>
+              <a:ext uri="{28A0092B-C50C-407E-A947-70E740481C1C}">
+                <a14:useLocalDpi xmlns:a14="http://schemas.microsoft.com/office/drawing/2010/main" val="0"/>
+              </a:ext>
+            </a:extLst>
+          </a:blip>
+          <a:srcRect t="7485" b="23171"/>
+          <a:stretch/>
+        </p:blipFill>
+        <p:spPr bwMode="auto">
+          <a:xfrm>
+            <a:off x="10433317" y="179782"/>
+            <a:ext cx="901995" cy="416982"/>
+          </a:xfrm>
+          <a:prstGeom prst="rect">
+            <a:avLst/>
+          </a:prstGeom>
+          <a:noFill/>
+          <a:extLst>
+            <a:ext uri="{909E8E84-426E-40DD-AFC4-6F175D3DCCD1}">
+              <a14:hiddenFill xmlns:a14="http://schemas.microsoft.com/office/drawing/2010/main">
+                <a:solidFill>
+                  <a:srgbClr val="FFFFFF"/>
+                </a:solidFill>
+              </a14:hiddenFill>
+            </a:ext>
+          </a:extLst>
+        </p:spPr>
+      </p:pic>
+    </p:spTree>
+    <p:extLst>
+      <p:ext uri="{BB962C8B-B14F-4D97-AF65-F5344CB8AC3E}">
+        <p14:creationId xmlns:p14="http://schemas.microsoft.com/office/powerpoint/2010/main" val="2653697098"/>
+      </p:ext>
+    </p:extLst>
+  </p:cSld>
+  <p:clrMapOvr>
+    <a:masterClrMapping/>
+  </p:clrMapOvr>
+</p:sld>
+</file>
+
 <file path=ppt/slides/slide2.xml><?xml version="1.0" encoding="utf-8"?>
 <p:sld xmlns:a="http://schemas.openxmlformats.org/drawingml/2006/main" xmlns:r="http://schemas.openxmlformats.org/officeDocument/2006/relationships" xmlns:p="http://schemas.openxmlformats.org/presentationml/2006/main">
   <p:cSld>
@@ -6122,7 +6299,7 @@
             </p:custDataLst>
             <p:extLst>
               <p:ext uri="{D42A27DB-BD31-4B8C-83A1-F6EECF244321}">
-                <p14:modId xmlns:p14="http://schemas.microsoft.com/office/powerpoint/2010/main" val="3927187386"/>
+                <p14:modId xmlns:p14="http://schemas.microsoft.com/office/powerpoint/2010/main" val="3421228210"/>
               </p:ext>
             </p:extLst>
           </p:nvPr>
@@ -6135,7 +6312,7 @@
           <a:graphicData uri="http://schemas.openxmlformats.org/presentationml/2006/ole">
             <mc:AlternateContent xmlns:mc="http://schemas.openxmlformats.org/markup-compatibility/2006">
               <mc:Choice xmlns:v="urn:schemas-microsoft-com:vml" Requires="v">
-                <p:oleObj spid="_x0000_s41040" name="think-cell Slide" r:id="rId13" imgW="592" imgH="591" progId="TCLayout.ActiveDocument.1">
+                <p:oleObj spid="_x0000_s41047" name="think-cell Slide" r:id="rId13" imgW="592" imgH="591" progId="TCLayout.ActiveDocument.1">
                   <p:embed/>
                 </p:oleObj>
               </mc:Choice>
@@ -6392,10 +6569,10 @@
       </p:sp>
       <p:graphicFrame>
         <p:nvGraphicFramePr>
-          <p:cNvPr id="474" name="Chart 473">
+          <p:cNvPr id="36" name="Chart 35">
             <a:extLst>
               <a:ext uri="{FF2B5EF4-FFF2-40B4-BE49-F238E27FC236}">
-                <a16:creationId xmlns:a16="http://schemas.microsoft.com/office/drawing/2014/main" id="{4E581F93-3744-4E0A-A70B-DE4F6B835AB4}"/>
+                <a16:creationId xmlns:a16="http://schemas.microsoft.com/office/drawing/2014/main" id="{47FC19C2-DC80-4203-809C-3E926EDDAF20}"/>
               </a:ext>
             </a:extLst>
           </p:cNvPr>
@@ -6406,7 +6583,7 @@
             </p:custDataLst>
             <p:extLst>
               <p:ext uri="{D42A27DB-BD31-4B8C-83A1-F6EECF244321}">
-                <p14:modId xmlns:p14="http://schemas.microsoft.com/office/powerpoint/2010/main" val="1329797008"/>
+                <p14:modId xmlns:p14="http://schemas.microsoft.com/office/powerpoint/2010/main" val="3046601721"/>
               </p:ext>
             </p:extLst>
           </p:nvPr>
@@ -6523,6 +6700,252 @@
       </p:cxnSp>
       <p:sp>
         <p:nvSpPr>
+          <p:cNvPr id="19" name="Text Placeholder 2">
+            <a:extLst>
+              <a:ext uri="{FF2B5EF4-FFF2-40B4-BE49-F238E27FC236}">
+                <a16:creationId xmlns:a16="http://schemas.microsoft.com/office/drawing/2014/main" id="{2CB3B27A-9947-48DE-B08F-EAF33DAA81E2}"/>
+              </a:ext>
+            </a:extLst>
+          </p:cNvPr>
+          <p:cNvSpPr>
+            <a:spLocks noGrp="1"/>
+          </p:cNvSpPr>
+          <p:nvPr>
+            <p:custDataLst>
+              <p:tags r:id="rId7"/>
+            </p:custDataLst>
+          </p:nvPr>
+        </p:nvSpPr>
+        <p:spPr bwMode="auto">
+          <a:xfrm>
+            <a:off x="10364788" y="2435225"/>
+            <a:ext cx="195263" cy="192088"/>
+          </a:xfrm>
+          <a:prstGeom prst="rect">
+            <a:avLst/>
+          </a:prstGeom>
+          <a:noFill/>
+          <a:ln>
+            <a:noFill/>
+          </a:ln>
+          <a:extLst>
+            <a:ext uri="{909E8E84-426E-40DD-AFC4-6F175D3DCCD1}">
+              <a14:hiddenFill xmlns:a14="http://schemas.microsoft.com/office/drawing/2010/main">
+                <a:solidFill>
+                  <a:scrgbClr r="0" g="0" b="0"/>
+                </a:solidFill>
+              </a14:hiddenFill>
+            </a:ext>
+          </a:extLst>
+        </p:spPr>
+        <p:txBody>
+          <a:bodyPr vert="horz" wrap="none" lIns="0" tIns="0" rIns="0" bIns="0" numCol="1" spcCol="0" rtlCol="0" anchor="ctr" anchorCtr="0">
+            <a:noAutofit/>
+          </a:bodyPr>
+          <a:lstStyle>
+            <a:lvl1pPr marL="228600" indent="-228600" algn="l" defTabSz="914400" rtl="0" eaLnBrk="1" latinLnBrk="0" hangingPunct="1">
+              <a:lnSpc>
+                <a:spcPct val="90000"/>
+              </a:lnSpc>
+              <a:spcBef>
+                <a:spcPts val="1000"/>
+              </a:spcBef>
+              <a:buFont typeface="Arial" panose="020B0604020202020204" pitchFamily="34" charset="0"/>
+              <a:buChar char="•"/>
+              <a:defRPr sz="2800" kern="1200">
+                <a:solidFill>
+                  <a:schemeClr val="tx1"/>
+                </a:solidFill>
+                <a:latin typeface="+mn-lt"/>
+                <a:ea typeface="+mn-ea"/>
+                <a:cs typeface="+mn-cs"/>
+              </a:defRPr>
+            </a:lvl1pPr>
+            <a:lvl2pPr marL="685800" indent="-228600" algn="l" defTabSz="914400" rtl="0" eaLnBrk="1" latinLnBrk="0" hangingPunct="1">
+              <a:lnSpc>
+                <a:spcPct val="90000"/>
+              </a:lnSpc>
+              <a:spcBef>
+                <a:spcPts val="500"/>
+              </a:spcBef>
+              <a:buFont typeface="Arial" panose="020B0604020202020204" pitchFamily="34" charset="0"/>
+              <a:buChar char="•"/>
+              <a:defRPr sz="2400" kern="1200">
+                <a:solidFill>
+                  <a:schemeClr val="tx1"/>
+                </a:solidFill>
+                <a:latin typeface="+mn-lt"/>
+                <a:ea typeface="+mn-ea"/>
+                <a:cs typeface="+mn-cs"/>
+              </a:defRPr>
+            </a:lvl2pPr>
+            <a:lvl3pPr marL="1143000" indent="-228600" algn="l" defTabSz="914400" rtl="0" eaLnBrk="1" latinLnBrk="0" hangingPunct="1">
+              <a:lnSpc>
+                <a:spcPct val="90000"/>
+              </a:lnSpc>
+              <a:spcBef>
+                <a:spcPts val="500"/>
+              </a:spcBef>
+              <a:buFont typeface="Arial" panose="020B0604020202020204" pitchFamily="34" charset="0"/>
+              <a:buChar char="•"/>
+              <a:defRPr sz="2000" kern="1200">
+                <a:solidFill>
+                  <a:schemeClr val="tx1"/>
+                </a:solidFill>
+                <a:latin typeface="+mn-lt"/>
+                <a:ea typeface="+mn-ea"/>
+                <a:cs typeface="+mn-cs"/>
+              </a:defRPr>
+            </a:lvl3pPr>
+            <a:lvl4pPr marL="1600200" indent="-228600" algn="l" defTabSz="914400" rtl="0" eaLnBrk="1" latinLnBrk="0" hangingPunct="1">
+              <a:lnSpc>
+                <a:spcPct val="90000"/>
+              </a:lnSpc>
+              <a:spcBef>
+                <a:spcPts val="500"/>
+              </a:spcBef>
+              <a:buFont typeface="Arial" panose="020B0604020202020204" pitchFamily="34" charset="0"/>
+              <a:buChar char="•"/>
+              <a:defRPr sz="1800" kern="1200">
+                <a:solidFill>
+                  <a:schemeClr val="tx1"/>
+                </a:solidFill>
+                <a:latin typeface="+mn-lt"/>
+                <a:ea typeface="+mn-ea"/>
+                <a:cs typeface="+mn-cs"/>
+              </a:defRPr>
+            </a:lvl4pPr>
+            <a:lvl5pPr marL="2057400" indent="-228600" algn="l" defTabSz="914400" rtl="0" eaLnBrk="1" latinLnBrk="0" hangingPunct="1">
+              <a:lnSpc>
+                <a:spcPct val="90000"/>
+              </a:lnSpc>
+              <a:spcBef>
+                <a:spcPts val="500"/>
+              </a:spcBef>
+              <a:buFont typeface="Arial" panose="020B0604020202020204" pitchFamily="34" charset="0"/>
+              <a:buChar char="•"/>
+              <a:defRPr sz="1800" kern="1200">
+                <a:solidFill>
+                  <a:schemeClr val="tx1"/>
+                </a:solidFill>
+                <a:latin typeface="+mn-lt"/>
+                <a:ea typeface="+mn-ea"/>
+                <a:cs typeface="+mn-cs"/>
+              </a:defRPr>
+            </a:lvl5pPr>
+            <a:lvl6pPr marL="2514600" indent="-228600" algn="l" defTabSz="914400" rtl="0" eaLnBrk="1" latinLnBrk="0" hangingPunct="1">
+              <a:lnSpc>
+                <a:spcPct val="90000"/>
+              </a:lnSpc>
+              <a:spcBef>
+                <a:spcPts val="500"/>
+              </a:spcBef>
+              <a:buFont typeface="Arial" panose="020B0604020202020204" pitchFamily="34" charset="0"/>
+              <a:buChar char="•"/>
+              <a:defRPr sz="1800" kern="1200">
+                <a:solidFill>
+                  <a:schemeClr val="tx1"/>
+                </a:solidFill>
+                <a:latin typeface="+mn-lt"/>
+                <a:ea typeface="+mn-ea"/>
+                <a:cs typeface="+mn-cs"/>
+              </a:defRPr>
+            </a:lvl6pPr>
+            <a:lvl7pPr marL="2971800" indent="-228600" algn="l" defTabSz="914400" rtl="0" eaLnBrk="1" latinLnBrk="0" hangingPunct="1">
+              <a:lnSpc>
+                <a:spcPct val="90000"/>
+              </a:lnSpc>
+              <a:spcBef>
+                <a:spcPts val="500"/>
+              </a:spcBef>
+              <a:buFont typeface="Arial" panose="020B0604020202020204" pitchFamily="34" charset="0"/>
+              <a:buChar char="•"/>
+              <a:defRPr sz="1800" kern="1200">
+                <a:solidFill>
+                  <a:schemeClr val="tx1"/>
+                </a:solidFill>
+                <a:latin typeface="+mn-lt"/>
+                <a:ea typeface="+mn-ea"/>
+                <a:cs typeface="+mn-cs"/>
+              </a:defRPr>
+            </a:lvl7pPr>
+            <a:lvl8pPr marL="3429000" indent="-228600" algn="l" defTabSz="914400" rtl="0" eaLnBrk="1" latinLnBrk="0" hangingPunct="1">
+              <a:lnSpc>
+                <a:spcPct val="90000"/>
+              </a:lnSpc>
+              <a:spcBef>
+                <a:spcPts val="500"/>
+              </a:spcBef>
+              <a:buFont typeface="Arial" panose="020B0604020202020204" pitchFamily="34" charset="0"/>
+              <a:buChar char="•"/>
+              <a:defRPr sz="1800" kern="1200">
+                <a:solidFill>
+                  <a:schemeClr val="tx1"/>
+                </a:solidFill>
+                <a:latin typeface="+mn-lt"/>
+                <a:ea typeface="+mn-ea"/>
+                <a:cs typeface="+mn-cs"/>
+              </a:defRPr>
+            </a:lvl8pPr>
+            <a:lvl9pPr marL="3886200" indent="-228600" algn="l" defTabSz="914400" rtl="0" eaLnBrk="1" latinLnBrk="0" hangingPunct="1">
+              <a:lnSpc>
+                <a:spcPct val="90000"/>
+              </a:lnSpc>
+              <a:spcBef>
+                <a:spcPts val="500"/>
+              </a:spcBef>
+              <a:buFont typeface="Arial" panose="020B0604020202020204" pitchFamily="34" charset="0"/>
+              <a:buChar char="•"/>
+              <a:defRPr sz="1800" kern="1200">
+                <a:solidFill>
+                  <a:schemeClr val="tx1"/>
+                </a:solidFill>
+                <a:latin typeface="+mn-lt"/>
+                <a:ea typeface="+mn-ea"/>
+                <a:cs typeface="+mn-cs"/>
+              </a:defRPr>
+            </a:lvl9pPr>
+          </a:lstStyle>
+          <a:p>
+            <a:pPr marL="0" indent="0">
+              <a:spcBef>
+                <a:spcPct val="0"/>
+              </a:spcBef>
+              <a:spcAft>
+                <a:spcPct val="0"/>
+              </a:spcAft>
+              <a:buNone/>
+            </a:pPr>
+            <a:fld id="{057700AB-2135-435C-A423-58EAB73B3F9F}" type="datetime'U''''''''''''''''''''''''''''''''''''''''S'''''">
+              <a:rPr lang="en-US" altLang="en-US" sz="1400" smtClean="0">
+                <a:solidFill>
+                  <a:schemeClr val="hlink"/>
+                </a:solidFill>
+                <a:effectLst/>
+                <a:sym typeface="+mn-lt"/>
+              </a:rPr>
+              <a:pPr marL="0" indent="0">
+                <a:spcBef>
+                  <a:spcPct val="0"/>
+                </a:spcBef>
+                <a:spcAft>
+                  <a:spcPct val="0"/>
+                </a:spcAft>
+                <a:buNone/>
+              </a:pPr>
+              <a:t>US</a:t>
+            </a:fld>
+            <a:endParaRPr lang="en-US" sz="1400" dirty="0">
+              <a:solidFill>
+                <a:schemeClr val="hlink"/>
+              </a:solidFill>
+              <a:sym typeface="+mn-lt"/>
+            </a:endParaRPr>
+          </a:p>
+        </p:txBody>
+      </p:sp>
+      <p:sp>
+        <p:nvSpPr>
           <p:cNvPr id="11" name="Text Placeholder 2">
             <a:extLst>
               <a:ext uri="{FF2B5EF4-FFF2-40B4-BE49-F238E27FC236}">
@@ -6535,7 +6958,7 @@
           </p:cNvSpPr>
           <p:nvPr>
             <p:custDataLst>
-              <p:tags r:id="rId7"/>
+              <p:tags r:id="rId8"/>
             </p:custDataLst>
           </p:nvPr>
         </p:nvSpPr>
@@ -6741,6 +7164,9 @@
             </a:pPr>
             <a:fld id="{5928762F-AD91-4810-90FB-8D65F6588A70}" type="datetime'''Ch''''''''in''a'''''''''''''''''''''''''''">
               <a:rPr lang="en-US" altLang="en-US" sz="1400" smtClean="0">
+                <a:solidFill>
+                  <a:schemeClr val="tx2"/>
+                </a:solidFill>
                 <a:effectLst/>
                 <a:sym typeface="+mn-lt"/>
               </a:rPr>
@@ -6756,246 +7182,9 @@
               <a:t>China</a:t>
             </a:fld>
             <a:endParaRPr lang="en-US" sz="1400" dirty="0">
-              <a:sym typeface="+mn-lt"/>
-            </a:endParaRPr>
-          </a:p>
-        </p:txBody>
-      </p:sp>
-      <p:sp>
-        <p:nvSpPr>
-          <p:cNvPr id="14" name="Text Placeholder 2">
-            <a:extLst>
-              <a:ext uri="{FF2B5EF4-FFF2-40B4-BE49-F238E27FC236}">
-                <a16:creationId xmlns:a16="http://schemas.microsoft.com/office/drawing/2014/main" id="{589F755E-418E-46B9-B595-3AF81D3186CF}"/>
-              </a:ext>
-            </a:extLst>
-          </p:cNvPr>
-          <p:cNvSpPr>
-            <a:spLocks noGrp="1"/>
-          </p:cNvSpPr>
-          <p:nvPr>
-            <p:custDataLst>
-              <p:tags r:id="rId8"/>
-            </p:custDataLst>
-          </p:nvPr>
-        </p:nvSpPr>
-        <p:spPr bwMode="auto">
-          <a:xfrm>
-            <a:off x="10364788" y="3225800"/>
-            <a:ext cx="311150" cy="192088"/>
-          </a:xfrm>
-          <a:prstGeom prst="rect">
-            <a:avLst/>
-          </a:prstGeom>
-          <a:noFill/>
-          <a:ln>
-            <a:noFill/>
-          </a:ln>
-          <a:extLst>
-            <a:ext uri="{909E8E84-426E-40DD-AFC4-6F175D3DCCD1}">
-              <a14:hiddenFill xmlns:a14="http://schemas.microsoft.com/office/drawing/2010/main">
-                <a:solidFill>
-                  <a:scrgbClr r="0" g="0" b="0"/>
-                </a:solidFill>
-              </a14:hiddenFill>
-            </a:ext>
-          </a:extLst>
-        </p:spPr>
-        <p:txBody>
-          <a:bodyPr vert="horz" wrap="none" lIns="0" tIns="0" rIns="0" bIns="0" numCol="1" spcCol="0" rtlCol="0" anchor="ctr" anchorCtr="0">
-            <a:noAutofit/>
-          </a:bodyPr>
-          <a:lstStyle>
-            <a:lvl1pPr marL="228600" indent="-228600" algn="l" defTabSz="914400" rtl="0" eaLnBrk="1" latinLnBrk="0" hangingPunct="1">
-              <a:lnSpc>
-                <a:spcPct val="90000"/>
-              </a:lnSpc>
-              <a:spcBef>
-                <a:spcPts val="1000"/>
-              </a:spcBef>
-              <a:buFont typeface="Arial" panose="020B0604020202020204" pitchFamily="34" charset="0"/>
-              <a:buChar char="•"/>
-              <a:defRPr sz="2800" kern="1200">
-                <a:solidFill>
-                  <a:schemeClr val="tx1"/>
-                </a:solidFill>
-                <a:latin typeface="+mn-lt"/>
-                <a:ea typeface="+mn-ea"/>
-                <a:cs typeface="+mn-cs"/>
-              </a:defRPr>
-            </a:lvl1pPr>
-            <a:lvl2pPr marL="685800" indent="-228600" algn="l" defTabSz="914400" rtl="0" eaLnBrk="1" latinLnBrk="0" hangingPunct="1">
-              <a:lnSpc>
-                <a:spcPct val="90000"/>
-              </a:lnSpc>
-              <a:spcBef>
-                <a:spcPts val="500"/>
-              </a:spcBef>
-              <a:buFont typeface="Arial" panose="020B0604020202020204" pitchFamily="34" charset="0"/>
-              <a:buChar char="•"/>
-              <a:defRPr sz="2400" kern="1200">
-                <a:solidFill>
-                  <a:schemeClr val="tx1"/>
-                </a:solidFill>
-                <a:latin typeface="+mn-lt"/>
-                <a:ea typeface="+mn-ea"/>
-                <a:cs typeface="+mn-cs"/>
-              </a:defRPr>
-            </a:lvl2pPr>
-            <a:lvl3pPr marL="1143000" indent="-228600" algn="l" defTabSz="914400" rtl="0" eaLnBrk="1" latinLnBrk="0" hangingPunct="1">
-              <a:lnSpc>
-                <a:spcPct val="90000"/>
-              </a:lnSpc>
-              <a:spcBef>
-                <a:spcPts val="500"/>
-              </a:spcBef>
-              <a:buFont typeface="Arial" panose="020B0604020202020204" pitchFamily="34" charset="0"/>
-              <a:buChar char="•"/>
-              <a:defRPr sz="2000" kern="1200">
-                <a:solidFill>
-                  <a:schemeClr val="tx1"/>
-                </a:solidFill>
-                <a:latin typeface="+mn-lt"/>
-                <a:ea typeface="+mn-ea"/>
-                <a:cs typeface="+mn-cs"/>
-              </a:defRPr>
-            </a:lvl3pPr>
-            <a:lvl4pPr marL="1600200" indent="-228600" algn="l" defTabSz="914400" rtl="0" eaLnBrk="1" latinLnBrk="0" hangingPunct="1">
-              <a:lnSpc>
-                <a:spcPct val="90000"/>
-              </a:lnSpc>
-              <a:spcBef>
-                <a:spcPts val="500"/>
-              </a:spcBef>
-              <a:buFont typeface="Arial" panose="020B0604020202020204" pitchFamily="34" charset="0"/>
-              <a:buChar char="•"/>
-              <a:defRPr sz="1800" kern="1200">
-                <a:solidFill>
-                  <a:schemeClr val="tx1"/>
-                </a:solidFill>
-                <a:latin typeface="+mn-lt"/>
-                <a:ea typeface="+mn-ea"/>
-                <a:cs typeface="+mn-cs"/>
-              </a:defRPr>
-            </a:lvl4pPr>
-            <a:lvl5pPr marL="2057400" indent="-228600" algn="l" defTabSz="914400" rtl="0" eaLnBrk="1" latinLnBrk="0" hangingPunct="1">
-              <a:lnSpc>
-                <a:spcPct val="90000"/>
-              </a:lnSpc>
-              <a:spcBef>
-                <a:spcPts val="500"/>
-              </a:spcBef>
-              <a:buFont typeface="Arial" panose="020B0604020202020204" pitchFamily="34" charset="0"/>
-              <a:buChar char="•"/>
-              <a:defRPr sz="1800" kern="1200">
-                <a:solidFill>
-                  <a:schemeClr val="tx1"/>
-                </a:solidFill>
-                <a:latin typeface="+mn-lt"/>
-                <a:ea typeface="+mn-ea"/>
-                <a:cs typeface="+mn-cs"/>
-              </a:defRPr>
-            </a:lvl5pPr>
-            <a:lvl6pPr marL="2514600" indent="-228600" algn="l" defTabSz="914400" rtl="0" eaLnBrk="1" latinLnBrk="0" hangingPunct="1">
-              <a:lnSpc>
-                <a:spcPct val="90000"/>
-              </a:lnSpc>
-              <a:spcBef>
-                <a:spcPts val="500"/>
-              </a:spcBef>
-              <a:buFont typeface="Arial" panose="020B0604020202020204" pitchFamily="34" charset="0"/>
-              <a:buChar char="•"/>
-              <a:defRPr sz="1800" kern="1200">
-                <a:solidFill>
-                  <a:schemeClr val="tx1"/>
-                </a:solidFill>
-                <a:latin typeface="+mn-lt"/>
-                <a:ea typeface="+mn-ea"/>
-                <a:cs typeface="+mn-cs"/>
-              </a:defRPr>
-            </a:lvl6pPr>
-            <a:lvl7pPr marL="2971800" indent="-228600" algn="l" defTabSz="914400" rtl="0" eaLnBrk="1" latinLnBrk="0" hangingPunct="1">
-              <a:lnSpc>
-                <a:spcPct val="90000"/>
-              </a:lnSpc>
-              <a:spcBef>
-                <a:spcPts val="500"/>
-              </a:spcBef>
-              <a:buFont typeface="Arial" panose="020B0604020202020204" pitchFamily="34" charset="0"/>
-              <a:buChar char="•"/>
-              <a:defRPr sz="1800" kern="1200">
-                <a:solidFill>
-                  <a:schemeClr val="tx1"/>
-                </a:solidFill>
-                <a:latin typeface="+mn-lt"/>
-                <a:ea typeface="+mn-ea"/>
-                <a:cs typeface="+mn-cs"/>
-              </a:defRPr>
-            </a:lvl7pPr>
-            <a:lvl8pPr marL="3429000" indent="-228600" algn="l" defTabSz="914400" rtl="0" eaLnBrk="1" latinLnBrk="0" hangingPunct="1">
-              <a:lnSpc>
-                <a:spcPct val="90000"/>
-              </a:lnSpc>
-              <a:spcBef>
-                <a:spcPts val="500"/>
-              </a:spcBef>
-              <a:buFont typeface="Arial" panose="020B0604020202020204" pitchFamily="34" charset="0"/>
-              <a:buChar char="•"/>
-              <a:defRPr sz="1800" kern="1200">
-                <a:solidFill>
-                  <a:schemeClr val="tx1"/>
-                </a:solidFill>
-                <a:latin typeface="+mn-lt"/>
-                <a:ea typeface="+mn-ea"/>
-                <a:cs typeface="+mn-cs"/>
-              </a:defRPr>
-            </a:lvl8pPr>
-            <a:lvl9pPr marL="3886200" indent="-228600" algn="l" defTabSz="914400" rtl="0" eaLnBrk="1" latinLnBrk="0" hangingPunct="1">
-              <a:lnSpc>
-                <a:spcPct val="90000"/>
-              </a:lnSpc>
-              <a:spcBef>
-                <a:spcPts val="500"/>
-              </a:spcBef>
-              <a:buFont typeface="Arial" panose="020B0604020202020204" pitchFamily="34" charset="0"/>
-              <a:buChar char="•"/>
-              <a:defRPr sz="1800" kern="1200">
-                <a:solidFill>
-                  <a:schemeClr val="tx1"/>
-                </a:solidFill>
-                <a:latin typeface="+mn-lt"/>
-                <a:ea typeface="+mn-ea"/>
-                <a:cs typeface="+mn-cs"/>
-              </a:defRPr>
-            </a:lvl9pPr>
-          </a:lstStyle>
-          <a:p>
-            <a:pPr marL="0" indent="0">
-              <a:spcBef>
-                <a:spcPct val="0"/>
-              </a:spcBef>
-              <a:spcAft>
-                <a:spcPct val="0"/>
-              </a:spcAft>
-              <a:buNone/>
-            </a:pPr>
-            <a:fld id="{F3E8327A-0FCA-41F9-80D5-D2A359C29D08}" type="datetime'It''''''a''l''''''''''''''''''''''''''''''''''''y'''">
-              <a:rPr lang="en-US" altLang="en-US" sz="1400" smtClean="0">
-                <a:effectLst/>
-                <a:sym typeface="+mn-lt"/>
-              </a:rPr>
-              <a:pPr marL="0" indent="0">
-                <a:spcBef>
-                  <a:spcPct val="0"/>
-                </a:spcBef>
-                <a:spcAft>
-                  <a:spcPct val="0"/>
-                </a:spcAft>
-                <a:buNone/>
-              </a:pPr>
-              <a:t>Italy</a:t>
-            </a:fld>
-            <a:endParaRPr lang="en-US" sz="1400" dirty="0">
+              <a:solidFill>
+                <a:schemeClr val="tx2"/>
+              </a:solidFill>
               <a:sym typeface="+mn-lt"/>
             </a:endParaRPr>
           </a:p>
@@ -7221,6 +7410,9 @@
             </a:pPr>
             <a:fld id="{59A6A49D-C6F8-4B97-A90E-75CEAE6DC335}" type="datetime'''''''''''''''''''''''''''''''J''''''a''p''''''''an'''''''">
               <a:rPr lang="en-US" altLang="en-US" sz="1400" smtClean="0">
+                <a:solidFill>
+                  <a:schemeClr val="accent3"/>
+                </a:solidFill>
                 <a:effectLst/>
                 <a:sym typeface="+mn-lt"/>
               </a:rPr>
@@ -7236,6 +7428,255 @@
               <a:t>Japan</a:t>
             </a:fld>
             <a:endParaRPr lang="en-US" sz="1400" dirty="0">
+              <a:solidFill>
+                <a:schemeClr val="accent3"/>
+              </a:solidFill>
+              <a:sym typeface="+mn-lt"/>
+            </a:endParaRPr>
+          </a:p>
+        </p:txBody>
+      </p:sp>
+      <p:sp>
+        <p:nvSpPr>
+          <p:cNvPr id="14" name="Text Placeholder 2">
+            <a:extLst>
+              <a:ext uri="{FF2B5EF4-FFF2-40B4-BE49-F238E27FC236}">
+                <a16:creationId xmlns:a16="http://schemas.microsoft.com/office/drawing/2014/main" id="{589F755E-418E-46B9-B595-3AF81D3186CF}"/>
+              </a:ext>
+            </a:extLst>
+          </p:cNvPr>
+          <p:cNvSpPr>
+            <a:spLocks noGrp="1"/>
+          </p:cNvSpPr>
+          <p:nvPr>
+            <p:custDataLst>
+              <p:tags r:id="rId10"/>
+            </p:custDataLst>
+          </p:nvPr>
+        </p:nvSpPr>
+        <p:spPr bwMode="auto">
+          <a:xfrm>
+            <a:off x="10364788" y="3225800"/>
+            <a:ext cx="311150" cy="192088"/>
+          </a:xfrm>
+          <a:prstGeom prst="rect">
+            <a:avLst/>
+          </a:prstGeom>
+          <a:noFill/>
+          <a:ln>
+            <a:noFill/>
+          </a:ln>
+          <a:extLst>
+            <a:ext uri="{909E8E84-426E-40DD-AFC4-6F175D3DCCD1}">
+              <a14:hiddenFill xmlns:a14="http://schemas.microsoft.com/office/drawing/2010/main">
+                <a:solidFill>
+                  <a:scrgbClr r="0" g="0" b="0"/>
+                </a:solidFill>
+              </a14:hiddenFill>
+            </a:ext>
+          </a:extLst>
+        </p:spPr>
+        <p:txBody>
+          <a:bodyPr vert="horz" wrap="none" lIns="0" tIns="0" rIns="0" bIns="0" numCol="1" spcCol="0" rtlCol="0" anchor="ctr" anchorCtr="0">
+            <a:noAutofit/>
+          </a:bodyPr>
+          <a:lstStyle>
+            <a:lvl1pPr marL="228600" indent="-228600" algn="l" defTabSz="914400" rtl="0" eaLnBrk="1" latinLnBrk="0" hangingPunct="1">
+              <a:lnSpc>
+                <a:spcPct val="90000"/>
+              </a:lnSpc>
+              <a:spcBef>
+                <a:spcPts val="1000"/>
+              </a:spcBef>
+              <a:buFont typeface="Arial" panose="020B0604020202020204" pitchFamily="34" charset="0"/>
+              <a:buChar char="•"/>
+              <a:defRPr sz="2800" kern="1200">
+                <a:solidFill>
+                  <a:schemeClr val="tx1"/>
+                </a:solidFill>
+                <a:latin typeface="+mn-lt"/>
+                <a:ea typeface="+mn-ea"/>
+                <a:cs typeface="+mn-cs"/>
+              </a:defRPr>
+            </a:lvl1pPr>
+            <a:lvl2pPr marL="685800" indent="-228600" algn="l" defTabSz="914400" rtl="0" eaLnBrk="1" latinLnBrk="0" hangingPunct="1">
+              <a:lnSpc>
+                <a:spcPct val="90000"/>
+              </a:lnSpc>
+              <a:spcBef>
+                <a:spcPts val="500"/>
+              </a:spcBef>
+              <a:buFont typeface="Arial" panose="020B0604020202020204" pitchFamily="34" charset="0"/>
+              <a:buChar char="•"/>
+              <a:defRPr sz="2400" kern="1200">
+                <a:solidFill>
+                  <a:schemeClr val="tx1"/>
+                </a:solidFill>
+                <a:latin typeface="+mn-lt"/>
+                <a:ea typeface="+mn-ea"/>
+                <a:cs typeface="+mn-cs"/>
+              </a:defRPr>
+            </a:lvl2pPr>
+            <a:lvl3pPr marL="1143000" indent="-228600" algn="l" defTabSz="914400" rtl="0" eaLnBrk="1" latinLnBrk="0" hangingPunct="1">
+              <a:lnSpc>
+                <a:spcPct val="90000"/>
+              </a:lnSpc>
+              <a:spcBef>
+                <a:spcPts val="500"/>
+              </a:spcBef>
+              <a:buFont typeface="Arial" panose="020B0604020202020204" pitchFamily="34" charset="0"/>
+              <a:buChar char="•"/>
+              <a:defRPr sz="2000" kern="1200">
+                <a:solidFill>
+                  <a:schemeClr val="tx1"/>
+                </a:solidFill>
+                <a:latin typeface="+mn-lt"/>
+                <a:ea typeface="+mn-ea"/>
+                <a:cs typeface="+mn-cs"/>
+              </a:defRPr>
+            </a:lvl3pPr>
+            <a:lvl4pPr marL="1600200" indent="-228600" algn="l" defTabSz="914400" rtl="0" eaLnBrk="1" latinLnBrk="0" hangingPunct="1">
+              <a:lnSpc>
+                <a:spcPct val="90000"/>
+              </a:lnSpc>
+              <a:spcBef>
+                <a:spcPts val="500"/>
+              </a:spcBef>
+              <a:buFont typeface="Arial" panose="020B0604020202020204" pitchFamily="34" charset="0"/>
+              <a:buChar char="•"/>
+              <a:defRPr sz="1800" kern="1200">
+                <a:solidFill>
+                  <a:schemeClr val="tx1"/>
+                </a:solidFill>
+                <a:latin typeface="+mn-lt"/>
+                <a:ea typeface="+mn-ea"/>
+                <a:cs typeface="+mn-cs"/>
+              </a:defRPr>
+            </a:lvl4pPr>
+            <a:lvl5pPr marL="2057400" indent="-228600" algn="l" defTabSz="914400" rtl="0" eaLnBrk="1" latinLnBrk="0" hangingPunct="1">
+              <a:lnSpc>
+                <a:spcPct val="90000"/>
+              </a:lnSpc>
+              <a:spcBef>
+                <a:spcPts val="500"/>
+              </a:spcBef>
+              <a:buFont typeface="Arial" panose="020B0604020202020204" pitchFamily="34" charset="0"/>
+              <a:buChar char="•"/>
+              <a:defRPr sz="1800" kern="1200">
+                <a:solidFill>
+                  <a:schemeClr val="tx1"/>
+                </a:solidFill>
+                <a:latin typeface="+mn-lt"/>
+                <a:ea typeface="+mn-ea"/>
+                <a:cs typeface="+mn-cs"/>
+              </a:defRPr>
+            </a:lvl5pPr>
+            <a:lvl6pPr marL="2514600" indent="-228600" algn="l" defTabSz="914400" rtl="0" eaLnBrk="1" latinLnBrk="0" hangingPunct="1">
+              <a:lnSpc>
+                <a:spcPct val="90000"/>
+              </a:lnSpc>
+              <a:spcBef>
+                <a:spcPts val="500"/>
+              </a:spcBef>
+              <a:buFont typeface="Arial" panose="020B0604020202020204" pitchFamily="34" charset="0"/>
+              <a:buChar char="•"/>
+              <a:defRPr sz="1800" kern="1200">
+                <a:solidFill>
+                  <a:schemeClr val="tx1"/>
+                </a:solidFill>
+                <a:latin typeface="+mn-lt"/>
+                <a:ea typeface="+mn-ea"/>
+                <a:cs typeface="+mn-cs"/>
+              </a:defRPr>
+            </a:lvl6pPr>
+            <a:lvl7pPr marL="2971800" indent="-228600" algn="l" defTabSz="914400" rtl="0" eaLnBrk="1" latinLnBrk="0" hangingPunct="1">
+              <a:lnSpc>
+                <a:spcPct val="90000"/>
+              </a:lnSpc>
+              <a:spcBef>
+                <a:spcPts val="500"/>
+              </a:spcBef>
+              <a:buFont typeface="Arial" panose="020B0604020202020204" pitchFamily="34" charset="0"/>
+              <a:buChar char="•"/>
+              <a:defRPr sz="1800" kern="1200">
+                <a:solidFill>
+                  <a:schemeClr val="tx1"/>
+                </a:solidFill>
+                <a:latin typeface="+mn-lt"/>
+                <a:ea typeface="+mn-ea"/>
+                <a:cs typeface="+mn-cs"/>
+              </a:defRPr>
+            </a:lvl7pPr>
+            <a:lvl8pPr marL="3429000" indent="-228600" algn="l" defTabSz="914400" rtl="0" eaLnBrk="1" latinLnBrk="0" hangingPunct="1">
+              <a:lnSpc>
+                <a:spcPct val="90000"/>
+              </a:lnSpc>
+              <a:spcBef>
+                <a:spcPts val="500"/>
+              </a:spcBef>
+              <a:buFont typeface="Arial" panose="020B0604020202020204" pitchFamily="34" charset="0"/>
+              <a:buChar char="•"/>
+              <a:defRPr sz="1800" kern="1200">
+                <a:solidFill>
+                  <a:schemeClr val="tx1"/>
+                </a:solidFill>
+                <a:latin typeface="+mn-lt"/>
+                <a:ea typeface="+mn-ea"/>
+                <a:cs typeface="+mn-cs"/>
+              </a:defRPr>
+            </a:lvl8pPr>
+            <a:lvl9pPr marL="3886200" indent="-228600" algn="l" defTabSz="914400" rtl="0" eaLnBrk="1" latinLnBrk="0" hangingPunct="1">
+              <a:lnSpc>
+                <a:spcPct val="90000"/>
+              </a:lnSpc>
+              <a:spcBef>
+                <a:spcPts val="500"/>
+              </a:spcBef>
+              <a:buFont typeface="Arial" panose="020B0604020202020204" pitchFamily="34" charset="0"/>
+              <a:buChar char="•"/>
+              <a:defRPr sz="1800" kern="1200">
+                <a:solidFill>
+                  <a:schemeClr val="tx1"/>
+                </a:solidFill>
+                <a:latin typeface="+mn-lt"/>
+                <a:ea typeface="+mn-ea"/>
+                <a:cs typeface="+mn-cs"/>
+              </a:defRPr>
+            </a:lvl9pPr>
+          </a:lstStyle>
+          <a:p>
+            <a:pPr marL="0" indent="0">
+              <a:spcBef>
+                <a:spcPct val="0"/>
+              </a:spcBef>
+              <a:spcAft>
+                <a:spcPct val="0"/>
+              </a:spcAft>
+              <a:buNone/>
+            </a:pPr>
+            <a:fld id="{F3E8327A-0FCA-41F9-80D5-D2A359C29D08}" type="datetime'It''''''a''l''''''''''''''''''''''''''''''''''''y'''">
+              <a:rPr lang="en-US" altLang="en-US" sz="1400" smtClean="0">
+                <a:solidFill>
+                  <a:srgbClr val="9DB1CF"/>
+                </a:solidFill>
+                <a:effectLst/>
+                <a:sym typeface="+mn-lt"/>
+              </a:rPr>
+              <a:pPr marL="0" indent="0">
+                <a:spcBef>
+                  <a:spcPct val="0"/>
+                </a:spcBef>
+                <a:spcAft>
+                  <a:spcPct val="0"/>
+                </a:spcAft>
+                <a:buNone/>
+              </a:pPr>
+              <a:t>Italy</a:t>
+            </a:fld>
+            <a:endParaRPr lang="en-US" sz="1400" dirty="0">
+              <a:solidFill>
+                <a:srgbClr val="9DB1CF"/>
+              </a:solidFill>
               <a:sym typeface="+mn-lt"/>
             </a:endParaRPr>
           </a:p>
@@ -7255,7 +7696,7 @@
           </p:cNvSpPr>
           <p:nvPr>
             <p:custDataLst>
-              <p:tags r:id="rId10"/>
+              <p:tags r:id="rId11"/>
             </p:custDataLst>
           </p:nvPr>
         </p:nvSpPr>
@@ -7461,6 +7902,9 @@
             </a:pPr>
             <a:fld id="{F6BB1AAE-7FC6-4087-B281-9FB57ACF681D}" type="datetime'''''''S''''''''p''a''''''i''n'">
               <a:rPr lang="en-US" altLang="en-US" sz="1400" smtClean="0">
+                <a:solidFill>
+                  <a:schemeClr val="bg2"/>
+                </a:solidFill>
                 <a:effectLst/>
                 <a:sym typeface="+mn-lt"/>
               </a:rPr>
@@ -7476,246 +7920,9 @@
               <a:t>Spain</a:t>
             </a:fld>
             <a:endParaRPr lang="en-US" sz="1400" dirty="0">
-              <a:sym typeface="+mn-lt"/>
-            </a:endParaRPr>
-          </a:p>
-        </p:txBody>
-      </p:sp>
-      <p:sp>
-        <p:nvSpPr>
-          <p:cNvPr id="19" name="Text Placeholder 2">
-            <a:extLst>
-              <a:ext uri="{FF2B5EF4-FFF2-40B4-BE49-F238E27FC236}">
-                <a16:creationId xmlns:a16="http://schemas.microsoft.com/office/drawing/2014/main" id="{2CB3B27A-9947-48DE-B08F-EAF33DAA81E2}"/>
-              </a:ext>
-            </a:extLst>
-          </p:cNvPr>
-          <p:cNvSpPr>
-            <a:spLocks noGrp="1"/>
-          </p:cNvSpPr>
-          <p:nvPr>
-            <p:custDataLst>
-              <p:tags r:id="rId11"/>
-            </p:custDataLst>
-          </p:nvPr>
-        </p:nvSpPr>
-        <p:spPr bwMode="auto">
-          <a:xfrm>
-            <a:off x="10364788" y="2435225"/>
-            <a:ext cx="195263" cy="192088"/>
-          </a:xfrm>
-          <a:prstGeom prst="rect">
-            <a:avLst/>
-          </a:prstGeom>
-          <a:noFill/>
-          <a:ln>
-            <a:noFill/>
-          </a:ln>
-          <a:extLst>
-            <a:ext uri="{909E8E84-426E-40DD-AFC4-6F175D3DCCD1}">
-              <a14:hiddenFill xmlns:a14="http://schemas.microsoft.com/office/drawing/2010/main">
-                <a:solidFill>
-                  <a:scrgbClr r="0" g="0" b="0"/>
-                </a:solidFill>
-              </a14:hiddenFill>
-            </a:ext>
-          </a:extLst>
-        </p:spPr>
-        <p:txBody>
-          <a:bodyPr vert="horz" wrap="none" lIns="0" tIns="0" rIns="0" bIns="0" numCol="1" spcCol="0" rtlCol="0" anchor="ctr" anchorCtr="0">
-            <a:noAutofit/>
-          </a:bodyPr>
-          <a:lstStyle>
-            <a:lvl1pPr marL="228600" indent="-228600" algn="l" defTabSz="914400" rtl="0" eaLnBrk="1" latinLnBrk="0" hangingPunct="1">
-              <a:lnSpc>
-                <a:spcPct val="90000"/>
-              </a:lnSpc>
-              <a:spcBef>
-                <a:spcPts val="1000"/>
-              </a:spcBef>
-              <a:buFont typeface="Arial" panose="020B0604020202020204" pitchFamily="34" charset="0"/>
-              <a:buChar char="•"/>
-              <a:defRPr sz="2800" kern="1200">
-                <a:solidFill>
-                  <a:schemeClr val="tx1"/>
-                </a:solidFill>
-                <a:latin typeface="+mn-lt"/>
-                <a:ea typeface="+mn-ea"/>
-                <a:cs typeface="+mn-cs"/>
-              </a:defRPr>
-            </a:lvl1pPr>
-            <a:lvl2pPr marL="685800" indent="-228600" algn="l" defTabSz="914400" rtl="0" eaLnBrk="1" latinLnBrk="0" hangingPunct="1">
-              <a:lnSpc>
-                <a:spcPct val="90000"/>
-              </a:lnSpc>
-              <a:spcBef>
-                <a:spcPts val="500"/>
-              </a:spcBef>
-              <a:buFont typeface="Arial" panose="020B0604020202020204" pitchFamily="34" charset="0"/>
-              <a:buChar char="•"/>
-              <a:defRPr sz="2400" kern="1200">
-                <a:solidFill>
-                  <a:schemeClr val="tx1"/>
-                </a:solidFill>
-                <a:latin typeface="+mn-lt"/>
-                <a:ea typeface="+mn-ea"/>
-                <a:cs typeface="+mn-cs"/>
-              </a:defRPr>
-            </a:lvl2pPr>
-            <a:lvl3pPr marL="1143000" indent="-228600" algn="l" defTabSz="914400" rtl="0" eaLnBrk="1" latinLnBrk="0" hangingPunct="1">
-              <a:lnSpc>
-                <a:spcPct val="90000"/>
-              </a:lnSpc>
-              <a:spcBef>
-                <a:spcPts val="500"/>
-              </a:spcBef>
-              <a:buFont typeface="Arial" panose="020B0604020202020204" pitchFamily="34" charset="0"/>
-              <a:buChar char="•"/>
-              <a:defRPr sz="2000" kern="1200">
-                <a:solidFill>
-                  <a:schemeClr val="tx1"/>
-                </a:solidFill>
-                <a:latin typeface="+mn-lt"/>
-                <a:ea typeface="+mn-ea"/>
-                <a:cs typeface="+mn-cs"/>
-              </a:defRPr>
-            </a:lvl3pPr>
-            <a:lvl4pPr marL="1600200" indent="-228600" algn="l" defTabSz="914400" rtl="0" eaLnBrk="1" latinLnBrk="0" hangingPunct="1">
-              <a:lnSpc>
-                <a:spcPct val="90000"/>
-              </a:lnSpc>
-              <a:spcBef>
-                <a:spcPts val="500"/>
-              </a:spcBef>
-              <a:buFont typeface="Arial" panose="020B0604020202020204" pitchFamily="34" charset="0"/>
-              <a:buChar char="•"/>
-              <a:defRPr sz="1800" kern="1200">
-                <a:solidFill>
-                  <a:schemeClr val="tx1"/>
-                </a:solidFill>
-                <a:latin typeface="+mn-lt"/>
-                <a:ea typeface="+mn-ea"/>
-                <a:cs typeface="+mn-cs"/>
-              </a:defRPr>
-            </a:lvl4pPr>
-            <a:lvl5pPr marL="2057400" indent="-228600" algn="l" defTabSz="914400" rtl="0" eaLnBrk="1" latinLnBrk="0" hangingPunct="1">
-              <a:lnSpc>
-                <a:spcPct val="90000"/>
-              </a:lnSpc>
-              <a:spcBef>
-                <a:spcPts val="500"/>
-              </a:spcBef>
-              <a:buFont typeface="Arial" panose="020B0604020202020204" pitchFamily="34" charset="0"/>
-              <a:buChar char="•"/>
-              <a:defRPr sz="1800" kern="1200">
-                <a:solidFill>
-                  <a:schemeClr val="tx1"/>
-                </a:solidFill>
-                <a:latin typeface="+mn-lt"/>
-                <a:ea typeface="+mn-ea"/>
-                <a:cs typeface="+mn-cs"/>
-              </a:defRPr>
-            </a:lvl5pPr>
-            <a:lvl6pPr marL="2514600" indent="-228600" algn="l" defTabSz="914400" rtl="0" eaLnBrk="1" latinLnBrk="0" hangingPunct="1">
-              <a:lnSpc>
-                <a:spcPct val="90000"/>
-              </a:lnSpc>
-              <a:spcBef>
-                <a:spcPts val="500"/>
-              </a:spcBef>
-              <a:buFont typeface="Arial" panose="020B0604020202020204" pitchFamily="34" charset="0"/>
-              <a:buChar char="•"/>
-              <a:defRPr sz="1800" kern="1200">
-                <a:solidFill>
-                  <a:schemeClr val="tx1"/>
-                </a:solidFill>
-                <a:latin typeface="+mn-lt"/>
-                <a:ea typeface="+mn-ea"/>
-                <a:cs typeface="+mn-cs"/>
-              </a:defRPr>
-            </a:lvl6pPr>
-            <a:lvl7pPr marL="2971800" indent="-228600" algn="l" defTabSz="914400" rtl="0" eaLnBrk="1" latinLnBrk="0" hangingPunct="1">
-              <a:lnSpc>
-                <a:spcPct val="90000"/>
-              </a:lnSpc>
-              <a:spcBef>
-                <a:spcPts val="500"/>
-              </a:spcBef>
-              <a:buFont typeface="Arial" panose="020B0604020202020204" pitchFamily="34" charset="0"/>
-              <a:buChar char="•"/>
-              <a:defRPr sz="1800" kern="1200">
-                <a:solidFill>
-                  <a:schemeClr val="tx1"/>
-                </a:solidFill>
-                <a:latin typeface="+mn-lt"/>
-                <a:ea typeface="+mn-ea"/>
-                <a:cs typeface="+mn-cs"/>
-              </a:defRPr>
-            </a:lvl7pPr>
-            <a:lvl8pPr marL="3429000" indent="-228600" algn="l" defTabSz="914400" rtl="0" eaLnBrk="1" latinLnBrk="0" hangingPunct="1">
-              <a:lnSpc>
-                <a:spcPct val="90000"/>
-              </a:lnSpc>
-              <a:spcBef>
-                <a:spcPts val="500"/>
-              </a:spcBef>
-              <a:buFont typeface="Arial" panose="020B0604020202020204" pitchFamily="34" charset="0"/>
-              <a:buChar char="•"/>
-              <a:defRPr sz="1800" kern="1200">
-                <a:solidFill>
-                  <a:schemeClr val="tx1"/>
-                </a:solidFill>
-                <a:latin typeface="+mn-lt"/>
-                <a:ea typeface="+mn-ea"/>
-                <a:cs typeface="+mn-cs"/>
-              </a:defRPr>
-            </a:lvl8pPr>
-            <a:lvl9pPr marL="3886200" indent="-228600" algn="l" defTabSz="914400" rtl="0" eaLnBrk="1" latinLnBrk="0" hangingPunct="1">
-              <a:lnSpc>
-                <a:spcPct val="90000"/>
-              </a:lnSpc>
-              <a:spcBef>
-                <a:spcPts val="500"/>
-              </a:spcBef>
-              <a:buFont typeface="Arial" panose="020B0604020202020204" pitchFamily="34" charset="0"/>
-              <a:buChar char="•"/>
-              <a:defRPr sz="1800" kern="1200">
-                <a:solidFill>
-                  <a:schemeClr val="tx1"/>
-                </a:solidFill>
-                <a:latin typeface="+mn-lt"/>
-                <a:ea typeface="+mn-ea"/>
-                <a:cs typeface="+mn-cs"/>
-              </a:defRPr>
-            </a:lvl9pPr>
-          </a:lstStyle>
-          <a:p>
-            <a:pPr marL="0" indent="0">
-              <a:spcBef>
-                <a:spcPct val="0"/>
-              </a:spcBef>
-              <a:spcAft>
-                <a:spcPct val="0"/>
-              </a:spcAft>
-              <a:buNone/>
-            </a:pPr>
-            <a:fld id="{057700AB-2135-435C-A423-58EAB73B3F9F}" type="datetime'U''''''''''''''''''''''''''''''''''''''''S'''''">
-              <a:rPr lang="en-US" altLang="en-US" sz="1400" smtClean="0">
-                <a:effectLst/>
-                <a:sym typeface="+mn-lt"/>
-              </a:rPr>
-              <a:pPr marL="0" indent="0">
-                <a:spcBef>
-                  <a:spcPct val="0"/>
-                </a:spcBef>
-                <a:spcAft>
-                  <a:spcPct val="0"/>
-                </a:spcAft>
-                <a:buNone/>
-              </a:pPr>
-              <a:t>US</a:t>
-            </a:fld>
-            <a:endParaRPr lang="en-US" sz="1400" dirty="0">
+              <a:solidFill>
+                <a:schemeClr val="bg2"/>
+              </a:solidFill>
               <a:sym typeface="+mn-lt"/>
             </a:endParaRPr>
           </a:p>
@@ -8174,7 +8381,7 @@
           <a:graphicData uri="http://schemas.openxmlformats.org/presentationml/2006/ole">
             <mc:AlternateContent xmlns:mc="http://schemas.openxmlformats.org/markup-compatibility/2006">
               <mc:Choice xmlns:v="urn:schemas-microsoft-com:vml" Requires="v">
-                <p:oleObj spid="_x0000_s43070" name="think-cell Slide" r:id="rId5" imgW="592" imgH="591" progId="TCLayout.ActiveDocument.1">
+                <p:oleObj spid="_x0000_s43076" name="think-cell Slide" r:id="rId5" imgW="592" imgH="591" progId="TCLayout.ActiveDocument.1">
                   <p:embed/>
                 </p:oleObj>
               </mc:Choice>
@@ -9241,7 +9448,7 @@
           <a:graphicData uri="http://schemas.openxmlformats.org/presentationml/2006/ole">
             <mc:AlternateContent xmlns:mc="http://schemas.openxmlformats.org/markup-compatibility/2006">
               <mc:Choice xmlns:v="urn:schemas-microsoft-com:vml" Requires="v">
-                <p:oleObj spid="_x0000_s45070" name="think-cell Slide" r:id="rId4" imgW="592" imgH="591" progId="TCLayout.ActiveDocument.1">
+                <p:oleObj spid="_x0000_s45076" name="think-cell Slide" r:id="rId4" imgW="592" imgH="591" progId="TCLayout.ActiveDocument.1">
                   <p:embed/>
                 </p:oleObj>
               </mc:Choice>
@@ -12844,6 +13051,2192 @@
 </p:sld>
 </file>
 
+<file path=ppt/slides/slide5.xml><?xml version="1.0" encoding="utf-8"?>
+<p:sld xmlns:a="http://schemas.openxmlformats.org/drawingml/2006/main" xmlns:r="http://schemas.openxmlformats.org/officeDocument/2006/relationships" xmlns:p="http://schemas.openxmlformats.org/presentationml/2006/main">
+  <p:cSld>
+    <p:spTree>
+      <p:nvGrpSpPr>
+        <p:cNvPr id="1" name=""/>
+        <p:cNvGrpSpPr/>
+        <p:nvPr/>
+      </p:nvGrpSpPr>
+      <p:grpSpPr>
+        <a:xfrm>
+          <a:off x="0" y="0"/>
+          <a:ext cx="0" cy="0"/>
+          <a:chOff x="0" y="0"/>
+          <a:chExt cx="0" cy="0"/>
+        </a:xfrm>
+      </p:grpSpPr>
+      <p:graphicFrame>
+        <p:nvGraphicFramePr>
+          <p:cNvPr id="4" name="Object 3" hidden="1"/>
+          <p:cNvGraphicFramePr>
+            <a:graphicFrameLocks noChangeAspect="1"/>
+          </p:cNvGraphicFramePr>
+          <p:nvPr>
+            <p:custDataLst>
+              <p:tags r:id="rId2"/>
+            </p:custDataLst>
+          </p:nvPr>
+        </p:nvGraphicFramePr>
+        <p:xfrm>
+          <a:off x="1588" y="1588"/>
+          <a:ext cx="1588" cy="1588"/>
+        </p:xfrm>
+        <a:graphic>
+          <a:graphicData uri="http://schemas.openxmlformats.org/presentationml/2006/ole">
+            <mc:AlternateContent xmlns:mc="http://schemas.openxmlformats.org/markup-compatibility/2006">
+              <mc:Choice xmlns:v="urn:schemas-microsoft-com:vml" Requires="v">
+                <p:oleObj spid="_x0000_s49160" name="think-cell Slide" r:id="rId4" imgW="592" imgH="591" progId="TCLayout.ActiveDocument.1">
+                  <p:embed/>
+                </p:oleObj>
+              </mc:Choice>
+              <mc:Fallback>
+                <p:oleObj name="think-cell Slide" r:id="rId4" imgW="592" imgH="591" progId="TCLayout.ActiveDocument.1">
+                  <p:embed/>
+                  <p:pic>
+                    <p:nvPicPr>
+                      <p:cNvPr id="4" name="Object 3" hidden="1"/>
+                      <p:cNvPicPr/>
+                      <p:nvPr/>
+                    </p:nvPicPr>
+                    <p:blipFill>
+                      <a:blip r:embed="rId5"/>
+                      <a:stretch>
+                        <a:fillRect/>
+                      </a:stretch>
+                    </p:blipFill>
+                    <p:spPr>
+                      <a:xfrm>
+                        <a:off x="1588" y="1588"/>
+                        <a:ext cx="1588" cy="1588"/>
+                      </a:xfrm>
+                      <a:prstGeom prst="rect">
+                        <a:avLst/>
+                      </a:prstGeom>
+                    </p:spPr>
+                  </p:pic>
+                </p:oleObj>
+              </mc:Fallback>
+            </mc:AlternateContent>
+          </a:graphicData>
+        </a:graphic>
+      </p:graphicFrame>
+      <p:sp>
+        <p:nvSpPr>
+          <p:cNvPr id="2" name="TextBox 1"/>
+          <p:cNvSpPr txBox="1"/>
+          <p:nvPr/>
+        </p:nvSpPr>
+        <p:spPr>
+          <a:xfrm>
+            <a:off x="651587" y="699798"/>
+            <a:ext cx="10888825" cy="461665"/>
+          </a:xfrm>
+          <a:prstGeom prst="rect">
+            <a:avLst/>
+          </a:prstGeom>
+          <a:noFill/>
+        </p:spPr>
+        <p:txBody>
+          <a:bodyPr wrap="square" rtlCol="0">
+            <a:spAutoFit/>
+          </a:bodyPr>
+          <a:lstStyle/>
+          <a:p>
+            <a:r>
+              <a:rPr lang="en-US" sz="2400" b="1" dirty="0">
+                <a:solidFill>
+                  <a:schemeClr val="tx2"/>
+                </a:solidFill>
+              </a:rPr>
+              <a:t>Artificial Neural Network| </a:t>
+            </a:r>
+            <a:r>
+              <a:rPr lang="en-US" sz="2400" dirty="0">
+                <a:solidFill>
+                  <a:schemeClr val="tx2"/>
+                </a:solidFill>
+              </a:rPr>
+              <a:t>Lorem Ipsum</a:t>
+            </a:r>
+          </a:p>
+        </p:txBody>
+      </p:sp>
+      <p:pic>
+        <p:nvPicPr>
+          <p:cNvPr id="117" name="Picture 72" descr="Duke University Logo - The Association for the Advancement of  Sustainability in Higher Education">
+            <a:extLst>
+              <a:ext uri="{FF2B5EF4-FFF2-40B4-BE49-F238E27FC236}">
+                <a16:creationId xmlns:a16="http://schemas.microsoft.com/office/drawing/2014/main" id="{C5EE37C7-2CBF-4129-9D96-CEEB7DBACDCA}"/>
+              </a:ext>
+            </a:extLst>
+          </p:cNvPr>
+          <p:cNvPicPr>
+            <a:picLocks noChangeAspect="1" noChangeArrowheads="1"/>
+          </p:cNvPicPr>
+          <p:nvPr/>
+        </p:nvPicPr>
+        <p:blipFill rotWithShape="1">
+          <a:blip r:embed="rId6" cstate="print">
+            <a:extLst>
+              <a:ext uri="{28A0092B-C50C-407E-A947-70E740481C1C}">
+                <a14:useLocalDpi xmlns:a14="http://schemas.microsoft.com/office/drawing/2010/main" val="0"/>
+              </a:ext>
+            </a:extLst>
+          </a:blip>
+          <a:srcRect t="7485" b="23171"/>
+          <a:stretch/>
+        </p:blipFill>
+        <p:spPr bwMode="auto">
+          <a:xfrm>
+            <a:off x="10433317" y="179782"/>
+            <a:ext cx="901995" cy="416982"/>
+          </a:xfrm>
+          <a:prstGeom prst="rect">
+            <a:avLst/>
+          </a:prstGeom>
+          <a:noFill/>
+          <a:extLst>
+            <a:ext uri="{909E8E84-426E-40DD-AFC4-6F175D3DCCD1}">
+              <a14:hiddenFill xmlns:a14="http://schemas.microsoft.com/office/drawing/2010/main">
+                <a:solidFill>
+                  <a:srgbClr val="FFFFFF"/>
+                </a:solidFill>
+              </a14:hiddenFill>
+            </a:ext>
+          </a:extLst>
+        </p:spPr>
+      </p:pic>
+    </p:spTree>
+    <p:extLst>
+      <p:ext uri="{BB962C8B-B14F-4D97-AF65-F5344CB8AC3E}">
+        <p14:creationId xmlns:p14="http://schemas.microsoft.com/office/powerpoint/2010/main" val="4126343168"/>
+      </p:ext>
+    </p:extLst>
+  </p:cSld>
+  <p:clrMapOvr>
+    <a:masterClrMapping/>
+  </p:clrMapOvr>
+</p:sld>
+</file>
+
+<file path=ppt/slides/slide6.xml><?xml version="1.0" encoding="utf-8"?>
+<p:sld xmlns:a="http://schemas.openxmlformats.org/drawingml/2006/main" xmlns:r="http://schemas.openxmlformats.org/officeDocument/2006/relationships" xmlns:p="http://schemas.openxmlformats.org/presentationml/2006/main">
+  <p:cSld>
+    <p:spTree>
+      <p:nvGrpSpPr>
+        <p:cNvPr id="1" name=""/>
+        <p:cNvGrpSpPr/>
+        <p:nvPr/>
+      </p:nvGrpSpPr>
+      <p:grpSpPr>
+        <a:xfrm>
+          <a:off x="0" y="0"/>
+          <a:ext cx="0" cy="0"/>
+          <a:chOff x="0" y="0"/>
+          <a:chExt cx="0" cy="0"/>
+        </a:xfrm>
+      </p:grpSpPr>
+      <p:graphicFrame>
+        <p:nvGraphicFramePr>
+          <p:cNvPr id="4" name="Object 3" hidden="1"/>
+          <p:cNvGraphicFramePr>
+            <a:graphicFrameLocks noChangeAspect="1"/>
+          </p:cNvGraphicFramePr>
+          <p:nvPr>
+            <p:custDataLst>
+              <p:tags r:id="rId2"/>
+            </p:custDataLst>
+          </p:nvPr>
+        </p:nvGraphicFramePr>
+        <p:xfrm>
+          <a:off x="1588" y="1588"/>
+          <a:ext cx="1588" cy="1588"/>
+        </p:xfrm>
+        <a:graphic>
+          <a:graphicData uri="http://schemas.openxmlformats.org/presentationml/2006/ole">
+            <mc:AlternateContent xmlns:mc="http://schemas.openxmlformats.org/markup-compatibility/2006">
+              <mc:Choice xmlns:v="urn:schemas-microsoft-com:vml" Requires="v">
+                <p:oleObj spid="_x0000_s50184" name="think-cell Slide" r:id="rId4" imgW="592" imgH="591" progId="TCLayout.ActiveDocument.1">
+                  <p:embed/>
+                </p:oleObj>
+              </mc:Choice>
+              <mc:Fallback>
+                <p:oleObj name="think-cell Slide" r:id="rId4" imgW="592" imgH="591" progId="TCLayout.ActiveDocument.1">
+                  <p:embed/>
+                  <p:pic>
+                    <p:nvPicPr>
+                      <p:cNvPr id="4" name="Object 3" hidden="1"/>
+                      <p:cNvPicPr/>
+                      <p:nvPr/>
+                    </p:nvPicPr>
+                    <p:blipFill>
+                      <a:blip r:embed="rId5"/>
+                      <a:stretch>
+                        <a:fillRect/>
+                      </a:stretch>
+                    </p:blipFill>
+                    <p:spPr>
+                      <a:xfrm>
+                        <a:off x="1588" y="1588"/>
+                        <a:ext cx="1588" cy="1588"/>
+                      </a:xfrm>
+                      <a:prstGeom prst="rect">
+                        <a:avLst/>
+                      </a:prstGeom>
+                    </p:spPr>
+                  </p:pic>
+                </p:oleObj>
+              </mc:Fallback>
+            </mc:AlternateContent>
+          </a:graphicData>
+        </a:graphic>
+      </p:graphicFrame>
+      <p:sp>
+        <p:nvSpPr>
+          <p:cNvPr id="2" name="TextBox 1"/>
+          <p:cNvSpPr txBox="1"/>
+          <p:nvPr/>
+        </p:nvSpPr>
+        <p:spPr>
+          <a:xfrm>
+            <a:off x="651587" y="699798"/>
+            <a:ext cx="10888825" cy="461665"/>
+          </a:xfrm>
+          <a:prstGeom prst="rect">
+            <a:avLst/>
+          </a:prstGeom>
+          <a:noFill/>
+        </p:spPr>
+        <p:txBody>
+          <a:bodyPr wrap="square" rtlCol="0">
+            <a:spAutoFit/>
+          </a:bodyPr>
+          <a:lstStyle/>
+          <a:p>
+            <a:r>
+              <a:rPr lang="en-US" sz="2400" b="1" dirty="0">
+                <a:solidFill>
+                  <a:schemeClr val="tx2"/>
+                </a:solidFill>
+              </a:rPr>
+              <a:t>Artificial Neural Network| </a:t>
+            </a:r>
+            <a:r>
+              <a:rPr lang="en-US" sz="2400" dirty="0">
+                <a:solidFill>
+                  <a:schemeClr val="tx2"/>
+                </a:solidFill>
+              </a:rPr>
+              <a:t>Lorem Ipsum</a:t>
+            </a:r>
+          </a:p>
+        </p:txBody>
+      </p:sp>
+      <p:pic>
+        <p:nvPicPr>
+          <p:cNvPr id="117" name="Picture 72" descr="Duke University Logo - The Association for the Advancement of  Sustainability in Higher Education">
+            <a:extLst>
+              <a:ext uri="{FF2B5EF4-FFF2-40B4-BE49-F238E27FC236}">
+                <a16:creationId xmlns:a16="http://schemas.microsoft.com/office/drawing/2014/main" id="{C5EE37C7-2CBF-4129-9D96-CEEB7DBACDCA}"/>
+              </a:ext>
+            </a:extLst>
+          </p:cNvPr>
+          <p:cNvPicPr>
+            <a:picLocks noChangeAspect="1" noChangeArrowheads="1"/>
+          </p:cNvPicPr>
+          <p:nvPr/>
+        </p:nvPicPr>
+        <p:blipFill rotWithShape="1">
+          <a:blip r:embed="rId6" cstate="print">
+            <a:extLst>
+              <a:ext uri="{28A0092B-C50C-407E-A947-70E740481C1C}">
+                <a14:useLocalDpi xmlns:a14="http://schemas.microsoft.com/office/drawing/2010/main" val="0"/>
+              </a:ext>
+            </a:extLst>
+          </a:blip>
+          <a:srcRect t="7485" b="23171"/>
+          <a:stretch/>
+        </p:blipFill>
+        <p:spPr bwMode="auto">
+          <a:xfrm>
+            <a:off x="10433317" y="179782"/>
+            <a:ext cx="901995" cy="416982"/>
+          </a:xfrm>
+          <a:prstGeom prst="rect">
+            <a:avLst/>
+          </a:prstGeom>
+          <a:noFill/>
+          <a:extLst>
+            <a:ext uri="{909E8E84-426E-40DD-AFC4-6F175D3DCCD1}">
+              <a14:hiddenFill xmlns:a14="http://schemas.microsoft.com/office/drawing/2010/main">
+                <a:solidFill>
+                  <a:srgbClr val="FFFFFF"/>
+                </a:solidFill>
+              </a14:hiddenFill>
+            </a:ext>
+          </a:extLst>
+        </p:spPr>
+      </p:pic>
+    </p:spTree>
+    <p:extLst>
+      <p:ext uri="{BB962C8B-B14F-4D97-AF65-F5344CB8AC3E}">
+        <p14:creationId xmlns:p14="http://schemas.microsoft.com/office/powerpoint/2010/main" val="3648667050"/>
+      </p:ext>
+    </p:extLst>
+  </p:cSld>
+  <p:clrMapOvr>
+    <a:masterClrMapping/>
+  </p:clrMapOvr>
+</p:sld>
+</file>
+
+<file path=ppt/slides/slide7.xml><?xml version="1.0" encoding="utf-8"?>
+<p:sld xmlns:a="http://schemas.openxmlformats.org/drawingml/2006/main" xmlns:r="http://schemas.openxmlformats.org/officeDocument/2006/relationships" xmlns:p="http://schemas.openxmlformats.org/presentationml/2006/main">
+  <p:cSld>
+    <p:spTree>
+      <p:nvGrpSpPr>
+        <p:cNvPr id="1" name=""/>
+        <p:cNvGrpSpPr/>
+        <p:nvPr/>
+      </p:nvGrpSpPr>
+      <p:grpSpPr>
+        <a:xfrm>
+          <a:off x="0" y="0"/>
+          <a:ext cx="0" cy="0"/>
+          <a:chOff x="0" y="0"/>
+          <a:chExt cx="0" cy="0"/>
+        </a:xfrm>
+      </p:grpSpPr>
+      <p:graphicFrame>
+        <p:nvGraphicFramePr>
+          <p:cNvPr id="4" name="Object 3" hidden="1"/>
+          <p:cNvGraphicFramePr>
+            <a:graphicFrameLocks noChangeAspect="1"/>
+          </p:cNvGraphicFramePr>
+          <p:nvPr>
+            <p:custDataLst>
+              <p:tags r:id="rId2"/>
+            </p:custDataLst>
+          </p:nvPr>
+        </p:nvGraphicFramePr>
+        <p:xfrm>
+          <a:off x="1588" y="1588"/>
+          <a:ext cx="1588" cy="1588"/>
+        </p:xfrm>
+        <a:graphic>
+          <a:graphicData uri="http://schemas.openxmlformats.org/presentationml/2006/ole">
+            <mc:AlternateContent xmlns:mc="http://schemas.openxmlformats.org/markup-compatibility/2006">
+              <mc:Choice xmlns:v="urn:schemas-microsoft-com:vml" Requires="v">
+                <p:oleObj spid="_x0000_s51208" name="think-cell Slide" r:id="rId4" imgW="592" imgH="591" progId="TCLayout.ActiveDocument.1">
+                  <p:embed/>
+                </p:oleObj>
+              </mc:Choice>
+              <mc:Fallback>
+                <p:oleObj name="think-cell Slide" r:id="rId4" imgW="592" imgH="591" progId="TCLayout.ActiveDocument.1">
+                  <p:embed/>
+                  <p:pic>
+                    <p:nvPicPr>
+                      <p:cNvPr id="4" name="Object 3" hidden="1"/>
+                      <p:cNvPicPr/>
+                      <p:nvPr/>
+                    </p:nvPicPr>
+                    <p:blipFill>
+                      <a:blip r:embed="rId5"/>
+                      <a:stretch>
+                        <a:fillRect/>
+                      </a:stretch>
+                    </p:blipFill>
+                    <p:spPr>
+                      <a:xfrm>
+                        <a:off x="1588" y="1588"/>
+                        <a:ext cx="1588" cy="1588"/>
+                      </a:xfrm>
+                      <a:prstGeom prst="rect">
+                        <a:avLst/>
+                      </a:prstGeom>
+                    </p:spPr>
+                  </p:pic>
+                </p:oleObj>
+              </mc:Fallback>
+            </mc:AlternateContent>
+          </a:graphicData>
+        </a:graphic>
+      </p:graphicFrame>
+      <p:sp>
+        <p:nvSpPr>
+          <p:cNvPr id="2" name="TextBox 1"/>
+          <p:cNvSpPr txBox="1"/>
+          <p:nvPr/>
+        </p:nvSpPr>
+        <p:spPr>
+          <a:xfrm>
+            <a:off x="651587" y="699798"/>
+            <a:ext cx="10888825" cy="830997"/>
+          </a:xfrm>
+          <a:prstGeom prst="rect">
+            <a:avLst/>
+          </a:prstGeom>
+          <a:noFill/>
+        </p:spPr>
+        <p:txBody>
+          <a:bodyPr wrap="square" rtlCol="0">
+            <a:spAutoFit/>
+          </a:bodyPr>
+          <a:lstStyle/>
+          <a:p>
+            <a:r>
+              <a:rPr lang="en-US" sz="2400" b="1" dirty="0">
+                <a:solidFill>
+                  <a:schemeClr val="tx2"/>
+                </a:solidFill>
+              </a:rPr>
+              <a:t>Gated Recurrent Unit| </a:t>
+            </a:r>
+            <a:r>
+              <a:rPr lang="en-US" sz="2400" dirty="0">
+                <a:solidFill>
+                  <a:schemeClr val="tx2"/>
+                </a:solidFill>
+              </a:rPr>
+              <a:t>The Gated Recurrent Unit does a good job predicting cases at a local level</a:t>
+            </a:r>
+          </a:p>
+        </p:txBody>
+      </p:sp>
+      <p:pic>
+        <p:nvPicPr>
+          <p:cNvPr id="117" name="Picture 72" descr="Duke University Logo - The Association for the Advancement of  Sustainability in Higher Education">
+            <a:extLst>
+              <a:ext uri="{FF2B5EF4-FFF2-40B4-BE49-F238E27FC236}">
+                <a16:creationId xmlns:a16="http://schemas.microsoft.com/office/drawing/2014/main" id="{C5EE37C7-2CBF-4129-9D96-CEEB7DBACDCA}"/>
+              </a:ext>
+            </a:extLst>
+          </p:cNvPr>
+          <p:cNvPicPr>
+            <a:picLocks noChangeAspect="1" noChangeArrowheads="1"/>
+          </p:cNvPicPr>
+          <p:nvPr/>
+        </p:nvPicPr>
+        <p:blipFill rotWithShape="1">
+          <a:blip r:embed="rId6" cstate="print">
+            <a:extLst>
+              <a:ext uri="{28A0092B-C50C-407E-A947-70E740481C1C}">
+                <a14:useLocalDpi xmlns:a14="http://schemas.microsoft.com/office/drawing/2010/main" val="0"/>
+              </a:ext>
+            </a:extLst>
+          </a:blip>
+          <a:srcRect t="7485" b="23171"/>
+          <a:stretch/>
+        </p:blipFill>
+        <p:spPr bwMode="auto">
+          <a:xfrm>
+            <a:off x="10433317" y="179782"/>
+            <a:ext cx="901995" cy="416982"/>
+          </a:xfrm>
+          <a:prstGeom prst="rect">
+            <a:avLst/>
+          </a:prstGeom>
+          <a:noFill/>
+          <a:extLst>
+            <a:ext uri="{909E8E84-426E-40DD-AFC4-6F175D3DCCD1}">
+              <a14:hiddenFill xmlns:a14="http://schemas.microsoft.com/office/drawing/2010/main">
+                <a:solidFill>
+                  <a:srgbClr val="FFFFFF"/>
+                </a:solidFill>
+              </a14:hiddenFill>
+            </a:ext>
+          </a:extLst>
+        </p:spPr>
+      </p:pic>
+      <p:sp>
+        <p:nvSpPr>
+          <p:cNvPr id="6" name="TextBox 5">
+            <a:extLst>
+              <a:ext uri="{FF2B5EF4-FFF2-40B4-BE49-F238E27FC236}">
+                <a16:creationId xmlns:a16="http://schemas.microsoft.com/office/drawing/2014/main" id="{3158232D-4D32-408B-B454-EB6DF2C14B0F}"/>
+              </a:ext>
+            </a:extLst>
+          </p:cNvPr>
+          <p:cNvSpPr txBox="1"/>
+          <p:nvPr/>
+        </p:nvSpPr>
+        <p:spPr>
+          <a:xfrm>
+            <a:off x="938463" y="1913021"/>
+            <a:ext cx="3050005" cy="369332"/>
+          </a:xfrm>
+          <a:prstGeom prst="rect">
+            <a:avLst/>
+          </a:prstGeom>
+          <a:noFill/>
+        </p:spPr>
+        <p:txBody>
+          <a:bodyPr wrap="square" rtlCol="0">
+            <a:spAutoFit/>
+          </a:bodyPr>
+          <a:lstStyle/>
+          <a:p>
+            <a:r>
+              <a:rPr lang="en-US" b="1" dirty="0">
+                <a:solidFill>
+                  <a:schemeClr val="tx2"/>
+                </a:solidFill>
+              </a:rPr>
+              <a:t>Global Cases</a:t>
+            </a:r>
+          </a:p>
+        </p:txBody>
+      </p:sp>
+      <p:sp>
+        <p:nvSpPr>
+          <p:cNvPr id="7" name="TextBox 6">
+            <a:extLst>
+              <a:ext uri="{FF2B5EF4-FFF2-40B4-BE49-F238E27FC236}">
+                <a16:creationId xmlns:a16="http://schemas.microsoft.com/office/drawing/2014/main" id="{FCEC9481-D548-4E67-95A6-E58ECB9295A7}"/>
+              </a:ext>
+            </a:extLst>
+          </p:cNvPr>
+          <p:cNvSpPr txBox="1"/>
+          <p:nvPr/>
+        </p:nvSpPr>
+        <p:spPr>
+          <a:xfrm>
+            <a:off x="8295481" y="1913021"/>
+            <a:ext cx="3050005" cy="369332"/>
+          </a:xfrm>
+          <a:prstGeom prst="rect">
+            <a:avLst/>
+          </a:prstGeom>
+          <a:noFill/>
+        </p:spPr>
+        <p:txBody>
+          <a:bodyPr wrap="square" rtlCol="0">
+            <a:spAutoFit/>
+          </a:bodyPr>
+          <a:lstStyle/>
+          <a:p>
+            <a:pPr algn="ctr"/>
+            <a:r>
+              <a:rPr lang="en-US" b="1" dirty="0">
+                <a:solidFill>
+                  <a:schemeClr val="tx2"/>
+                </a:solidFill>
+              </a:rPr>
+              <a:t>Local Cases: </a:t>
+            </a:r>
+            <a:r>
+              <a:rPr lang="en-US" dirty="0">
+                <a:solidFill>
+                  <a:schemeClr val="tx2"/>
+                </a:solidFill>
+              </a:rPr>
+              <a:t>Spain</a:t>
+            </a:r>
+          </a:p>
+        </p:txBody>
+      </p:sp>
+      <p:cxnSp>
+        <p:nvCxnSpPr>
+          <p:cNvPr id="8" name="Straight Connector 7">
+            <a:extLst>
+              <a:ext uri="{FF2B5EF4-FFF2-40B4-BE49-F238E27FC236}">
+                <a16:creationId xmlns:a16="http://schemas.microsoft.com/office/drawing/2014/main" id="{AEF88B72-7172-4AD4-86DB-E8CA04EAA0D3}"/>
+              </a:ext>
+            </a:extLst>
+          </p:cNvPr>
+          <p:cNvCxnSpPr>
+            <a:cxnSpLocks/>
+          </p:cNvCxnSpPr>
+          <p:nvPr/>
+        </p:nvCxnSpPr>
+        <p:spPr>
+          <a:xfrm>
+            <a:off x="8088146" y="2020773"/>
+            <a:ext cx="0" cy="4066807"/>
+          </a:xfrm>
+          <a:prstGeom prst="line">
+            <a:avLst/>
+          </a:prstGeom>
+          <a:ln w="12700">
+            <a:solidFill>
+              <a:schemeClr val="tx2"/>
+            </a:solidFill>
+          </a:ln>
+        </p:spPr>
+        <p:style>
+          <a:lnRef idx="1">
+            <a:schemeClr val="accent1"/>
+          </a:lnRef>
+          <a:fillRef idx="0">
+            <a:schemeClr val="accent1"/>
+          </a:fillRef>
+          <a:effectRef idx="0">
+            <a:schemeClr val="accent1"/>
+          </a:effectRef>
+          <a:fontRef idx="minor">
+            <a:schemeClr val="tx1"/>
+          </a:fontRef>
+        </p:style>
+      </p:cxnSp>
+      <p:pic>
+        <p:nvPicPr>
+          <p:cNvPr id="3" name="Picture 2">
+            <a:extLst>
+              <a:ext uri="{FF2B5EF4-FFF2-40B4-BE49-F238E27FC236}">
+                <a16:creationId xmlns:a16="http://schemas.microsoft.com/office/drawing/2014/main" id="{7F967A86-329A-46ED-B7FC-20C6C66E2F91}"/>
+              </a:ext>
+            </a:extLst>
+          </p:cNvPr>
+          <p:cNvPicPr>
+            <a:picLocks noChangeAspect="1"/>
+          </p:cNvPicPr>
+          <p:nvPr/>
+        </p:nvPicPr>
+        <p:blipFill>
+          <a:blip r:embed="rId7"/>
+          <a:stretch>
+            <a:fillRect/>
+          </a:stretch>
+        </p:blipFill>
+        <p:spPr>
+          <a:xfrm>
+            <a:off x="8552470" y="2561331"/>
+            <a:ext cx="2460279" cy="1737865"/>
+          </a:xfrm>
+          <a:prstGeom prst="rect">
+            <a:avLst/>
+          </a:prstGeom>
+        </p:spPr>
+      </p:pic>
+      <p:pic>
+        <p:nvPicPr>
+          <p:cNvPr id="11" name="Picture 10">
+            <a:extLst>
+              <a:ext uri="{FF2B5EF4-FFF2-40B4-BE49-F238E27FC236}">
+                <a16:creationId xmlns:a16="http://schemas.microsoft.com/office/drawing/2014/main" id="{7B68BC50-9666-43B7-8506-88C001A8CA0E}"/>
+              </a:ext>
+            </a:extLst>
+          </p:cNvPr>
+          <p:cNvPicPr>
+            <a:picLocks noChangeAspect="1"/>
+          </p:cNvPicPr>
+          <p:nvPr/>
+        </p:nvPicPr>
+        <p:blipFill>
+          <a:blip r:embed="rId8"/>
+          <a:stretch>
+            <a:fillRect/>
+          </a:stretch>
+        </p:blipFill>
+        <p:spPr>
+          <a:xfrm>
+            <a:off x="8573610" y="4354767"/>
+            <a:ext cx="2439139" cy="1718897"/>
+          </a:xfrm>
+          <a:prstGeom prst="rect">
+            <a:avLst/>
+          </a:prstGeom>
+        </p:spPr>
+      </p:pic>
+      <p:sp>
+        <p:nvSpPr>
+          <p:cNvPr id="12" name="TextBox 11">
+            <a:extLst>
+              <a:ext uri="{FF2B5EF4-FFF2-40B4-BE49-F238E27FC236}">
+                <a16:creationId xmlns:a16="http://schemas.microsoft.com/office/drawing/2014/main" id="{A028F9CB-CAB2-464B-87B3-5A64392D65D8}"/>
+              </a:ext>
+            </a:extLst>
+          </p:cNvPr>
+          <p:cNvSpPr txBox="1"/>
+          <p:nvPr/>
+        </p:nvSpPr>
+        <p:spPr>
+          <a:xfrm rot="5400000">
+            <a:off x="10800587" y="3203763"/>
+            <a:ext cx="801042" cy="369332"/>
+          </a:xfrm>
+          <a:prstGeom prst="rect">
+            <a:avLst/>
+          </a:prstGeom>
+          <a:noFill/>
+        </p:spPr>
+        <p:txBody>
+          <a:bodyPr wrap="square" rtlCol="0">
+            <a:spAutoFit/>
+          </a:bodyPr>
+          <a:lstStyle/>
+          <a:p>
+            <a:r>
+              <a:rPr lang="en-US" dirty="0"/>
+              <a:t>Cases</a:t>
+            </a:r>
+          </a:p>
+        </p:txBody>
+      </p:sp>
+      <p:sp>
+        <p:nvSpPr>
+          <p:cNvPr id="14" name="TextBox 13">
+            <a:extLst>
+              <a:ext uri="{FF2B5EF4-FFF2-40B4-BE49-F238E27FC236}">
+                <a16:creationId xmlns:a16="http://schemas.microsoft.com/office/drawing/2014/main" id="{D7D69B8B-8644-438A-8BD6-9BD630E76B64}"/>
+              </a:ext>
+            </a:extLst>
+          </p:cNvPr>
+          <p:cNvSpPr txBox="1"/>
+          <p:nvPr/>
+        </p:nvSpPr>
+        <p:spPr>
+          <a:xfrm rot="5400000">
+            <a:off x="10757716" y="4987338"/>
+            <a:ext cx="886783" cy="369332"/>
+          </a:xfrm>
+          <a:prstGeom prst="rect">
+            <a:avLst/>
+          </a:prstGeom>
+          <a:noFill/>
+        </p:spPr>
+        <p:txBody>
+          <a:bodyPr wrap="square" rtlCol="0">
+            <a:spAutoFit/>
+          </a:bodyPr>
+          <a:lstStyle/>
+          <a:p>
+            <a:r>
+              <a:rPr lang="en-US" dirty="0"/>
+              <a:t>Deaths</a:t>
+            </a:r>
+          </a:p>
+        </p:txBody>
+      </p:sp>
+    </p:spTree>
+    <p:extLst>
+      <p:ext uri="{BB962C8B-B14F-4D97-AF65-F5344CB8AC3E}">
+        <p14:creationId xmlns:p14="http://schemas.microsoft.com/office/powerpoint/2010/main" val="817648892"/>
+      </p:ext>
+    </p:extLst>
+  </p:cSld>
+  <p:clrMapOvr>
+    <a:masterClrMapping/>
+  </p:clrMapOvr>
+</p:sld>
+</file>
+
+<file path=ppt/slides/slide8.xml><?xml version="1.0" encoding="utf-8"?>
+<p:sld xmlns:a="http://schemas.openxmlformats.org/drawingml/2006/main" xmlns:r="http://schemas.openxmlformats.org/officeDocument/2006/relationships" xmlns:p="http://schemas.openxmlformats.org/presentationml/2006/main">
+  <p:cSld>
+    <p:spTree>
+      <p:nvGrpSpPr>
+        <p:cNvPr id="1" name=""/>
+        <p:cNvGrpSpPr/>
+        <p:nvPr/>
+      </p:nvGrpSpPr>
+      <p:grpSpPr>
+        <a:xfrm>
+          <a:off x="0" y="0"/>
+          <a:ext cx="0" cy="0"/>
+          <a:chOff x="0" y="0"/>
+          <a:chExt cx="0" cy="0"/>
+        </a:xfrm>
+      </p:grpSpPr>
+      <p:graphicFrame>
+        <p:nvGraphicFramePr>
+          <p:cNvPr id="4" name="Object 3" hidden="1"/>
+          <p:cNvGraphicFramePr>
+            <a:graphicFrameLocks noChangeAspect="1"/>
+          </p:cNvGraphicFramePr>
+          <p:nvPr>
+            <p:custDataLst>
+              <p:tags r:id="rId2"/>
+            </p:custDataLst>
+          </p:nvPr>
+        </p:nvGraphicFramePr>
+        <p:xfrm>
+          <a:off x="1588" y="1588"/>
+          <a:ext cx="1588" cy="1588"/>
+        </p:xfrm>
+        <a:graphic>
+          <a:graphicData uri="http://schemas.openxmlformats.org/presentationml/2006/ole">
+            <mc:AlternateContent xmlns:mc="http://schemas.openxmlformats.org/markup-compatibility/2006">
+              <mc:Choice xmlns:v="urn:schemas-microsoft-com:vml" Requires="v">
+                <p:oleObj spid="_x0000_s52233" name="think-cell Slide" r:id="rId4" imgW="592" imgH="591" progId="TCLayout.ActiveDocument.1">
+                  <p:embed/>
+                </p:oleObj>
+              </mc:Choice>
+              <mc:Fallback>
+                <p:oleObj name="think-cell Slide" r:id="rId4" imgW="592" imgH="591" progId="TCLayout.ActiveDocument.1">
+                  <p:embed/>
+                  <p:pic>
+                    <p:nvPicPr>
+                      <p:cNvPr id="4" name="Object 3" hidden="1"/>
+                      <p:cNvPicPr/>
+                      <p:nvPr/>
+                    </p:nvPicPr>
+                    <p:blipFill>
+                      <a:blip r:embed="rId5"/>
+                      <a:stretch>
+                        <a:fillRect/>
+                      </a:stretch>
+                    </p:blipFill>
+                    <p:spPr>
+                      <a:xfrm>
+                        <a:off x="1588" y="1588"/>
+                        <a:ext cx="1588" cy="1588"/>
+                      </a:xfrm>
+                      <a:prstGeom prst="rect">
+                        <a:avLst/>
+                      </a:prstGeom>
+                    </p:spPr>
+                  </p:pic>
+                </p:oleObj>
+              </mc:Fallback>
+            </mc:AlternateContent>
+          </a:graphicData>
+        </a:graphic>
+      </p:graphicFrame>
+      <p:sp>
+        <p:nvSpPr>
+          <p:cNvPr id="2" name="TextBox 1"/>
+          <p:cNvSpPr txBox="1"/>
+          <p:nvPr/>
+        </p:nvSpPr>
+        <p:spPr>
+          <a:xfrm>
+            <a:off x="651587" y="699798"/>
+            <a:ext cx="10888825" cy="830997"/>
+          </a:xfrm>
+          <a:prstGeom prst="rect">
+            <a:avLst/>
+          </a:prstGeom>
+          <a:noFill/>
+        </p:spPr>
+        <p:txBody>
+          <a:bodyPr wrap="square" rtlCol="0">
+            <a:spAutoFit/>
+          </a:bodyPr>
+          <a:lstStyle/>
+          <a:p>
+            <a:r>
+              <a:rPr lang="en-US" sz="2400" b="1" dirty="0">
+                <a:solidFill>
+                  <a:schemeClr val="tx2"/>
+                </a:solidFill>
+              </a:rPr>
+              <a:t>Long-Short Term Memory| </a:t>
+            </a:r>
+            <a:r>
+              <a:rPr lang="en-US" sz="2400" dirty="0">
+                <a:solidFill>
+                  <a:schemeClr val="tx2"/>
+                </a:solidFill>
+              </a:rPr>
+              <a:t>The Long-Short Term memory can pick up trends globally but fails to do so locally</a:t>
+            </a:r>
+          </a:p>
+        </p:txBody>
+      </p:sp>
+      <p:pic>
+        <p:nvPicPr>
+          <p:cNvPr id="117" name="Picture 72" descr="Duke University Logo - The Association for the Advancement of  Sustainability in Higher Education">
+            <a:extLst>
+              <a:ext uri="{FF2B5EF4-FFF2-40B4-BE49-F238E27FC236}">
+                <a16:creationId xmlns:a16="http://schemas.microsoft.com/office/drawing/2014/main" id="{C5EE37C7-2CBF-4129-9D96-CEEB7DBACDCA}"/>
+              </a:ext>
+            </a:extLst>
+          </p:cNvPr>
+          <p:cNvPicPr>
+            <a:picLocks noChangeAspect="1" noChangeArrowheads="1"/>
+          </p:cNvPicPr>
+          <p:nvPr/>
+        </p:nvPicPr>
+        <p:blipFill rotWithShape="1">
+          <a:blip r:embed="rId6" cstate="print">
+            <a:extLst>
+              <a:ext uri="{28A0092B-C50C-407E-A947-70E740481C1C}">
+                <a14:useLocalDpi xmlns:a14="http://schemas.microsoft.com/office/drawing/2010/main" val="0"/>
+              </a:ext>
+            </a:extLst>
+          </a:blip>
+          <a:srcRect t="7485" b="23171"/>
+          <a:stretch/>
+        </p:blipFill>
+        <p:spPr bwMode="auto">
+          <a:xfrm>
+            <a:off x="10433317" y="179782"/>
+            <a:ext cx="901995" cy="416982"/>
+          </a:xfrm>
+          <a:prstGeom prst="rect">
+            <a:avLst/>
+          </a:prstGeom>
+          <a:noFill/>
+          <a:extLst>
+            <a:ext uri="{909E8E84-426E-40DD-AFC4-6F175D3DCCD1}">
+              <a14:hiddenFill xmlns:a14="http://schemas.microsoft.com/office/drawing/2010/main">
+                <a:solidFill>
+                  <a:srgbClr val="FFFFFF"/>
+                </a:solidFill>
+              </a14:hiddenFill>
+            </a:ext>
+          </a:extLst>
+        </p:spPr>
+      </p:pic>
+      <p:pic>
+        <p:nvPicPr>
+          <p:cNvPr id="5" name="Picture 5">
+            <a:extLst>
+              <a:ext uri="{FF2B5EF4-FFF2-40B4-BE49-F238E27FC236}">
+                <a16:creationId xmlns:a16="http://schemas.microsoft.com/office/drawing/2014/main" id="{E1E3676D-5490-4CA1-8456-4AB7DB13F2AD}"/>
+              </a:ext>
+            </a:extLst>
+          </p:cNvPr>
+          <p:cNvPicPr>
+            <a:picLocks noChangeAspect="1" noChangeArrowheads="1"/>
+          </p:cNvPicPr>
+          <p:nvPr/>
+        </p:nvPicPr>
+        <p:blipFill>
+          <a:blip r:embed="rId7">
+            <a:extLst>
+              <a:ext uri="{28A0092B-C50C-407E-A947-70E740481C1C}">
+                <a14:useLocalDpi xmlns:a14="http://schemas.microsoft.com/office/drawing/2010/main" val="0"/>
+              </a:ext>
+            </a:extLst>
+          </a:blip>
+          <a:srcRect/>
+          <a:stretch>
+            <a:fillRect/>
+          </a:stretch>
+        </p:blipFill>
+        <p:spPr bwMode="auto">
+          <a:xfrm>
+            <a:off x="651587" y="2625330"/>
+            <a:ext cx="6946355" cy="3532872"/>
+          </a:xfrm>
+          <a:prstGeom prst="rect">
+            <a:avLst/>
+          </a:prstGeom>
+          <a:noFill/>
+          <a:extLst>
+            <a:ext uri="{909E8E84-426E-40DD-AFC4-6F175D3DCCD1}">
+              <a14:hiddenFill xmlns:a14="http://schemas.microsoft.com/office/drawing/2010/main">
+                <a:solidFill>
+                  <a:srgbClr val="FFFFFF"/>
+                </a:solidFill>
+              </a14:hiddenFill>
+            </a:ext>
+          </a:extLst>
+        </p:spPr>
+      </p:pic>
+      <p:sp>
+        <p:nvSpPr>
+          <p:cNvPr id="3" name="TextBox 2">
+            <a:extLst>
+              <a:ext uri="{FF2B5EF4-FFF2-40B4-BE49-F238E27FC236}">
+                <a16:creationId xmlns:a16="http://schemas.microsoft.com/office/drawing/2014/main" id="{E8B5BA6C-B9CC-4079-833F-AD410B0D4CE6}"/>
+              </a:ext>
+            </a:extLst>
+          </p:cNvPr>
+          <p:cNvSpPr txBox="1"/>
+          <p:nvPr/>
+        </p:nvSpPr>
+        <p:spPr>
+          <a:xfrm>
+            <a:off x="938463" y="1913021"/>
+            <a:ext cx="3050005" cy="369332"/>
+          </a:xfrm>
+          <a:prstGeom prst="rect">
+            <a:avLst/>
+          </a:prstGeom>
+          <a:noFill/>
+        </p:spPr>
+        <p:txBody>
+          <a:bodyPr wrap="square" rtlCol="0">
+            <a:spAutoFit/>
+          </a:bodyPr>
+          <a:lstStyle/>
+          <a:p>
+            <a:r>
+              <a:rPr lang="en-US" b="1" dirty="0">
+                <a:solidFill>
+                  <a:schemeClr val="tx2"/>
+                </a:solidFill>
+              </a:rPr>
+              <a:t>Global Cases</a:t>
+            </a:r>
+          </a:p>
+        </p:txBody>
+      </p:sp>
+      <p:sp>
+        <p:nvSpPr>
+          <p:cNvPr id="7" name="TextBox 6">
+            <a:extLst>
+              <a:ext uri="{FF2B5EF4-FFF2-40B4-BE49-F238E27FC236}">
+                <a16:creationId xmlns:a16="http://schemas.microsoft.com/office/drawing/2014/main" id="{6D493219-8929-455D-93A0-C1ECFF4EEB7C}"/>
+              </a:ext>
+            </a:extLst>
+          </p:cNvPr>
+          <p:cNvSpPr txBox="1"/>
+          <p:nvPr/>
+        </p:nvSpPr>
+        <p:spPr>
+          <a:xfrm>
+            <a:off x="8295481" y="1913021"/>
+            <a:ext cx="3050005" cy="369332"/>
+          </a:xfrm>
+          <a:prstGeom prst="rect">
+            <a:avLst/>
+          </a:prstGeom>
+          <a:noFill/>
+        </p:spPr>
+        <p:txBody>
+          <a:bodyPr wrap="square" rtlCol="0">
+            <a:spAutoFit/>
+          </a:bodyPr>
+          <a:lstStyle/>
+          <a:p>
+            <a:pPr algn="ctr"/>
+            <a:r>
+              <a:rPr lang="en-US" b="1" dirty="0">
+                <a:solidFill>
+                  <a:schemeClr val="tx2"/>
+                </a:solidFill>
+              </a:rPr>
+              <a:t>Local Cases: </a:t>
+            </a:r>
+            <a:r>
+              <a:rPr lang="en-US" dirty="0">
+                <a:solidFill>
+                  <a:schemeClr val="tx2"/>
+                </a:solidFill>
+              </a:rPr>
+              <a:t>Germany</a:t>
+            </a:r>
+          </a:p>
+        </p:txBody>
+      </p:sp>
+      <p:cxnSp>
+        <p:nvCxnSpPr>
+          <p:cNvPr id="8" name="Straight Connector 7">
+            <a:extLst>
+              <a:ext uri="{FF2B5EF4-FFF2-40B4-BE49-F238E27FC236}">
+                <a16:creationId xmlns:a16="http://schemas.microsoft.com/office/drawing/2014/main" id="{46E06842-937E-49BF-8F73-7C1D87E7EFF5}"/>
+              </a:ext>
+            </a:extLst>
+          </p:cNvPr>
+          <p:cNvCxnSpPr>
+            <a:cxnSpLocks/>
+          </p:cNvCxnSpPr>
+          <p:nvPr/>
+        </p:nvCxnSpPr>
+        <p:spPr>
+          <a:xfrm>
+            <a:off x="8088146" y="2020773"/>
+            <a:ext cx="0" cy="4066807"/>
+          </a:xfrm>
+          <a:prstGeom prst="line">
+            <a:avLst/>
+          </a:prstGeom>
+          <a:ln w="12700">
+            <a:solidFill>
+              <a:schemeClr val="tx2"/>
+            </a:solidFill>
+          </a:ln>
+        </p:spPr>
+        <p:style>
+          <a:lnRef idx="1">
+            <a:schemeClr val="accent1"/>
+          </a:lnRef>
+          <a:fillRef idx="0">
+            <a:schemeClr val="accent1"/>
+          </a:fillRef>
+          <a:effectRef idx="0">
+            <a:schemeClr val="accent1"/>
+          </a:effectRef>
+          <a:fontRef idx="minor">
+            <a:schemeClr val="tx1"/>
+          </a:fontRef>
+        </p:style>
+      </p:cxnSp>
+      <p:pic>
+        <p:nvPicPr>
+          <p:cNvPr id="11" name="Picture 10">
+            <a:extLst>
+              <a:ext uri="{FF2B5EF4-FFF2-40B4-BE49-F238E27FC236}">
+                <a16:creationId xmlns:a16="http://schemas.microsoft.com/office/drawing/2014/main" id="{D2F7E6FA-1F03-4DC2-8C22-50179FE25CB4}"/>
+              </a:ext>
+            </a:extLst>
+          </p:cNvPr>
+          <p:cNvPicPr>
+            <a:picLocks noChangeAspect="1"/>
+          </p:cNvPicPr>
+          <p:nvPr/>
+        </p:nvPicPr>
+        <p:blipFill>
+          <a:blip r:embed="rId8"/>
+          <a:stretch>
+            <a:fillRect/>
+          </a:stretch>
+        </p:blipFill>
+        <p:spPr>
+          <a:xfrm>
+            <a:off x="8573134" y="2553975"/>
+            <a:ext cx="2494701" cy="1730065"/>
+          </a:xfrm>
+          <a:prstGeom prst="rect">
+            <a:avLst/>
+          </a:prstGeom>
+        </p:spPr>
+      </p:pic>
+      <p:pic>
+        <p:nvPicPr>
+          <p:cNvPr id="12" name="Picture 11">
+            <a:extLst>
+              <a:ext uri="{FF2B5EF4-FFF2-40B4-BE49-F238E27FC236}">
+                <a16:creationId xmlns:a16="http://schemas.microsoft.com/office/drawing/2014/main" id="{186E9DB6-744C-4851-9938-CB9B32067C9D}"/>
+              </a:ext>
+            </a:extLst>
+          </p:cNvPr>
+          <p:cNvPicPr>
+            <a:picLocks noChangeAspect="1"/>
+          </p:cNvPicPr>
+          <p:nvPr/>
+        </p:nvPicPr>
+        <p:blipFill>
+          <a:blip r:embed="rId9"/>
+          <a:stretch>
+            <a:fillRect/>
+          </a:stretch>
+        </p:blipFill>
+        <p:spPr>
+          <a:xfrm>
+            <a:off x="8557971" y="4395182"/>
+            <a:ext cx="2485091" cy="1692398"/>
+          </a:xfrm>
+          <a:prstGeom prst="rect">
+            <a:avLst/>
+          </a:prstGeom>
+        </p:spPr>
+      </p:pic>
+      <p:sp>
+        <p:nvSpPr>
+          <p:cNvPr id="14" name="TextBox 13">
+            <a:extLst>
+              <a:ext uri="{FF2B5EF4-FFF2-40B4-BE49-F238E27FC236}">
+                <a16:creationId xmlns:a16="http://schemas.microsoft.com/office/drawing/2014/main" id="{587518DC-1B29-4BD3-BCAC-CB8DD44DCAFA}"/>
+              </a:ext>
+            </a:extLst>
+          </p:cNvPr>
+          <p:cNvSpPr txBox="1"/>
+          <p:nvPr/>
+        </p:nvSpPr>
+        <p:spPr>
+          <a:xfrm rot="5400000">
+            <a:off x="10800587" y="3203763"/>
+            <a:ext cx="801042" cy="369332"/>
+          </a:xfrm>
+          <a:prstGeom prst="rect">
+            <a:avLst/>
+          </a:prstGeom>
+          <a:noFill/>
+        </p:spPr>
+        <p:txBody>
+          <a:bodyPr wrap="square" rtlCol="0">
+            <a:spAutoFit/>
+          </a:bodyPr>
+          <a:lstStyle/>
+          <a:p>
+            <a:r>
+              <a:rPr lang="en-US" dirty="0"/>
+              <a:t>Cases</a:t>
+            </a:r>
+          </a:p>
+        </p:txBody>
+      </p:sp>
+      <p:sp>
+        <p:nvSpPr>
+          <p:cNvPr id="15" name="TextBox 14">
+            <a:extLst>
+              <a:ext uri="{FF2B5EF4-FFF2-40B4-BE49-F238E27FC236}">
+                <a16:creationId xmlns:a16="http://schemas.microsoft.com/office/drawing/2014/main" id="{022226C5-5ED2-4D5A-8A9D-7FEEB1A05036}"/>
+              </a:ext>
+            </a:extLst>
+          </p:cNvPr>
+          <p:cNvSpPr txBox="1"/>
+          <p:nvPr/>
+        </p:nvSpPr>
+        <p:spPr>
+          <a:xfrm rot="5400000">
+            <a:off x="10757716" y="4987338"/>
+            <a:ext cx="886783" cy="369332"/>
+          </a:xfrm>
+          <a:prstGeom prst="rect">
+            <a:avLst/>
+          </a:prstGeom>
+          <a:noFill/>
+        </p:spPr>
+        <p:txBody>
+          <a:bodyPr wrap="square" rtlCol="0">
+            <a:spAutoFit/>
+          </a:bodyPr>
+          <a:lstStyle/>
+          <a:p>
+            <a:r>
+              <a:rPr lang="en-US" dirty="0"/>
+              <a:t>Deaths</a:t>
+            </a:r>
+          </a:p>
+        </p:txBody>
+      </p:sp>
+    </p:spTree>
+    <p:extLst>
+      <p:ext uri="{BB962C8B-B14F-4D97-AF65-F5344CB8AC3E}">
+        <p14:creationId xmlns:p14="http://schemas.microsoft.com/office/powerpoint/2010/main" val="4131858578"/>
+      </p:ext>
+    </p:extLst>
+  </p:cSld>
+  <p:clrMapOvr>
+    <a:masterClrMapping/>
+  </p:clrMapOvr>
+</p:sld>
+</file>
+
+<file path=ppt/slides/slide9.xml><?xml version="1.0" encoding="utf-8"?>
+<p:sld xmlns:a="http://schemas.openxmlformats.org/drawingml/2006/main" xmlns:r="http://schemas.openxmlformats.org/officeDocument/2006/relationships" xmlns:p="http://schemas.openxmlformats.org/presentationml/2006/main">
+  <p:cSld>
+    <p:spTree>
+      <p:nvGrpSpPr>
+        <p:cNvPr id="1" name=""/>
+        <p:cNvGrpSpPr/>
+        <p:nvPr/>
+      </p:nvGrpSpPr>
+      <p:grpSpPr>
+        <a:xfrm>
+          <a:off x="0" y="0"/>
+          <a:ext cx="0" cy="0"/>
+          <a:chOff x="0" y="0"/>
+          <a:chExt cx="0" cy="0"/>
+        </a:xfrm>
+      </p:grpSpPr>
+      <p:graphicFrame>
+        <p:nvGraphicFramePr>
+          <p:cNvPr id="4" name="Object 3" hidden="1"/>
+          <p:cNvGraphicFramePr>
+            <a:graphicFrameLocks noChangeAspect="1"/>
+          </p:cNvGraphicFramePr>
+          <p:nvPr>
+            <p:custDataLst>
+              <p:tags r:id="rId2"/>
+            </p:custDataLst>
+          </p:nvPr>
+        </p:nvGraphicFramePr>
+        <p:xfrm>
+          <a:off x="1588" y="1588"/>
+          <a:ext cx="1588" cy="1588"/>
+        </p:xfrm>
+        <a:graphic>
+          <a:graphicData uri="http://schemas.openxmlformats.org/presentationml/2006/ole">
+            <mc:AlternateContent xmlns:mc="http://schemas.openxmlformats.org/markup-compatibility/2006">
+              <mc:Choice xmlns:v="urn:schemas-microsoft-com:vml" Requires="v">
+                <p:oleObj spid="_x0000_s53260" name="think-cell Slide" r:id="rId4" imgW="592" imgH="591" progId="TCLayout.ActiveDocument.1">
+                  <p:embed/>
+                </p:oleObj>
+              </mc:Choice>
+              <mc:Fallback>
+                <p:oleObj name="think-cell Slide" r:id="rId4" imgW="592" imgH="591" progId="TCLayout.ActiveDocument.1">
+                  <p:embed/>
+                  <p:pic>
+                    <p:nvPicPr>
+                      <p:cNvPr id="4" name="Object 3" hidden="1"/>
+                      <p:cNvPicPr/>
+                      <p:nvPr/>
+                    </p:nvPicPr>
+                    <p:blipFill>
+                      <a:blip r:embed="rId5"/>
+                      <a:stretch>
+                        <a:fillRect/>
+                      </a:stretch>
+                    </p:blipFill>
+                    <p:spPr>
+                      <a:xfrm>
+                        <a:off x="1588" y="1588"/>
+                        <a:ext cx="1588" cy="1588"/>
+                      </a:xfrm>
+                      <a:prstGeom prst="rect">
+                        <a:avLst/>
+                      </a:prstGeom>
+                    </p:spPr>
+                  </p:pic>
+                </p:oleObj>
+              </mc:Fallback>
+            </mc:AlternateContent>
+          </a:graphicData>
+        </a:graphic>
+      </p:graphicFrame>
+      <p:sp>
+        <p:nvSpPr>
+          <p:cNvPr id="2" name="TextBox 1"/>
+          <p:cNvSpPr txBox="1"/>
+          <p:nvPr/>
+        </p:nvSpPr>
+        <p:spPr>
+          <a:xfrm>
+            <a:off x="651587" y="699798"/>
+            <a:ext cx="10888825" cy="830997"/>
+          </a:xfrm>
+          <a:prstGeom prst="rect">
+            <a:avLst/>
+          </a:prstGeom>
+          <a:noFill/>
+        </p:spPr>
+        <p:txBody>
+          <a:bodyPr wrap="square" rtlCol="0">
+            <a:spAutoFit/>
+          </a:bodyPr>
+          <a:lstStyle/>
+          <a:p>
+            <a:r>
+              <a:rPr lang="en-US" sz="2400" b="1" dirty="0">
+                <a:solidFill>
+                  <a:schemeClr val="tx2"/>
+                </a:solidFill>
+              </a:rPr>
+              <a:t>Conclusions &amp; Model Results| </a:t>
+            </a:r>
+            <a:r>
+              <a:rPr lang="en-US" sz="2400" dirty="0">
+                <a:solidFill>
+                  <a:schemeClr val="tx2"/>
+                </a:solidFill>
+              </a:rPr>
+              <a:t>We can reasonably forecast future COVID19 cases at a Global scale, but models do not pick up trends Locally</a:t>
+            </a:r>
+          </a:p>
+        </p:txBody>
+      </p:sp>
+      <p:pic>
+        <p:nvPicPr>
+          <p:cNvPr id="117" name="Picture 72" descr="Duke University Logo - The Association for the Advancement of  Sustainability in Higher Education">
+            <a:extLst>
+              <a:ext uri="{FF2B5EF4-FFF2-40B4-BE49-F238E27FC236}">
+                <a16:creationId xmlns:a16="http://schemas.microsoft.com/office/drawing/2014/main" id="{C5EE37C7-2CBF-4129-9D96-CEEB7DBACDCA}"/>
+              </a:ext>
+            </a:extLst>
+          </p:cNvPr>
+          <p:cNvPicPr>
+            <a:picLocks noChangeAspect="1" noChangeArrowheads="1"/>
+          </p:cNvPicPr>
+          <p:nvPr/>
+        </p:nvPicPr>
+        <p:blipFill rotWithShape="1">
+          <a:blip r:embed="rId6" cstate="print">
+            <a:extLst>
+              <a:ext uri="{28A0092B-C50C-407E-A947-70E740481C1C}">
+                <a14:useLocalDpi xmlns:a14="http://schemas.microsoft.com/office/drawing/2010/main" val="0"/>
+              </a:ext>
+            </a:extLst>
+          </a:blip>
+          <a:srcRect t="7485" b="23171"/>
+          <a:stretch/>
+        </p:blipFill>
+        <p:spPr bwMode="auto">
+          <a:xfrm>
+            <a:off x="10433317" y="179782"/>
+            <a:ext cx="901995" cy="416982"/>
+          </a:xfrm>
+          <a:prstGeom prst="rect">
+            <a:avLst/>
+          </a:prstGeom>
+          <a:noFill/>
+          <a:extLst>
+            <a:ext uri="{909E8E84-426E-40DD-AFC4-6F175D3DCCD1}">
+              <a14:hiddenFill xmlns:a14="http://schemas.microsoft.com/office/drawing/2010/main">
+                <a:solidFill>
+                  <a:srgbClr val="FFFFFF"/>
+                </a:solidFill>
+              </a14:hiddenFill>
+            </a:ext>
+          </a:extLst>
+        </p:spPr>
+      </p:pic>
+      <p:graphicFrame>
+        <p:nvGraphicFramePr>
+          <p:cNvPr id="5" name="Table 8">
+            <a:extLst>
+              <a:ext uri="{FF2B5EF4-FFF2-40B4-BE49-F238E27FC236}">
+                <a16:creationId xmlns:a16="http://schemas.microsoft.com/office/drawing/2014/main" id="{397655CA-AA56-4464-8AA5-73CDC0BC2680}"/>
+              </a:ext>
+            </a:extLst>
+          </p:cNvPr>
+          <p:cNvGraphicFramePr>
+            <a:graphicFrameLocks noGrp="1"/>
+          </p:cNvGraphicFramePr>
+          <p:nvPr>
+            <p:extLst>
+              <p:ext uri="{D42A27DB-BD31-4B8C-83A1-F6EECF244321}">
+                <p14:modId xmlns:p14="http://schemas.microsoft.com/office/powerpoint/2010/main" val="1752229420"/>
+              </p:ext>
+            </p:extLst>
+          </p:nvPr>
+        </p:nvGraphicFramePr>
+        <p:xfrm>
+          <a:off x="651586" y="1937075"/>
+          <a:ext cx="10732105" cy="4019050"/>
+        </p:xfrm>
+        <a:graphic>
+          <a:graphicData uri="http://schemas.openxmlformats.org/drawingml/2006/table">
+            <a:tbl>
+              <a:tblPr firstRow="1" bandRow="1">
+                <a:tableStyleId>{5C22544A-7EE6-4342-B048-85BDC9FD1C3A}</a:tableStyleId>
+              </a:tblPr>
+              <a:tblGrid>
+                <a:gridCol w="2136745">
+                  <a:extLst>
+                    <a:ext uri="{9D8B030D-6E8A-4147-A177-3AD203B41FA5}">
+                      <a16:colId xmlns:a16="http://schemas.microsoft.com/office/drawing/2014/main" val="42954451"/>
+                    </a:ext>
+                  </a:extLst>
+                </a:gridCol>
+                <a:gridCol w="1463040">
+                  <a:extLst>
+                    <a:ext uri="{9D8B030D-6E8A-4147-A177-3AD203B41FA5}">
+                      <a16:colId xmlns:a16="http://schemas.microsoft.com/office/drawing/2014/main" val="1376097487"/>
+                    </a:ext>
+                  </a:extLst>
+                </a:gridCol>
+                <a:gridCol w="1463040">
+                  <a:extLst>
+                    <a:ext uri="{9D8B030D-6E8A-4147-A177-3AD203B41FA5}">
+                      <a16:colId xmlns:a16="http://schemas.microsoft.com/office/drawing/2014/main" val="593898102"/>
+                    </a:ext>
+                  </a:extLst>
+                </a:gridCol>
+                <a:gridCol w="2834640">
+                  <a:extLst>
+                    <a:ext uri="{9D8B030D-6E8A-4147-A177-3AD203B41FA5}">
+                      <a16:colId xmlns:a16="http://schemas.microsoft.com/office/drawing/2014/main" val="1585498447"/>
+                    </a:ext>
+                  </a:extLst>
+                </a:gridCol>
+                <a:gridCol w="2834640">
+                  <a:extLst>
+                    <a:ext uri="{9D8B030D-6E8A-4147-A177-3AD203B41FA5}">
+                      <a16:colId xmlns:a16="http://schemas.microsoft.com/office/drawing/2014/main" val="268677737"/>
+                    </a:ext>
+                  </a:extLst>
+                </a:gridCol>
+              </a:tblGrid>
+              <a:tr h="803810">
+                <a:tc>
+                  <a:txBody>
+                    <a:bodyPr/>
+                    <a:lstStyle/>
+                    <a:p>
+                      <a:endParaRPr lang="en-US" dirty="0"/>
+                    </a:p>
+                  </a:txBody>
+                  <a:tcPr>
+                    <a:solidFill>
+                      <a:schemeClr val="bg1"/>
+                    </a:solidFill>
+                  </a:tcPr>
+                </a:tc>
+                <a:tc>
+                  <a:txBody>
+                    <a:bodyPr/>
+                    <a:lstStyle/>
+                    <a:p>
+                      <a:pPr algn="ctr"/>
+                      <a:r>
+                        <a:rPr lang="en-US" dirty="0">
+                          <a:solidFill>
+                            <a:schemeClr val="tx2"/>
+                          </a:solidFill>
+                        </a:rPr>
+                        <a:t>Global Loss</a:t>
+                      </a:r>
+                    </a:p>
+                  </a:txBody>
+                  <a:tcPr anchor="b">
+                    <a:solidFill>
+                      <a:schemeClr val="bg1"/>
+                    </a:solidFill>
+                  </a:tcPr>
+                </a:tc>
+                <a:tc>
+                  <a:txBody>
+                    <a:bodyPr/>
+                    <a:lstStyle/>
+                    <a:p>
+                      <a:pPr algn="ctr"/>
+                      <a:r>
+                        <a:rPr lang="en-US" dirty="0">
+                          <a:solidFill>
+                            <a:schemeClr val="tx2"/>
+                          </a:solidFill>
+                        </a:rPr>
+                        <a:t>Local Loss</a:t>
+                      </a:r>
+                    </a:p>
+                  </a:txBody>
+                  <a:tcPr anchor="b">
+                    <a:solidFill>
+                      <a:schemeClr val="bg1"/>
+                    </a:solidFill>
+                  </a:tcPr>
+                </a:tc>
+                <a:tc>
+                  <a:txBody>
+                    <a:bodyPr/>
+                    <a:lstStyle/>
+                    <a:p>
+                      <a:pPr algn="ctr"/>
+                      <a:r>
+                        <a:rPr lang="en-US" dirty="0">
+                          <a:solidFill>
+                            <a:schemeClr val="tx2"/>
+                          </a:solidFill>
+                        </a:rPr>
+                        <a:t>Hyperparameters</a:t>
+                      </a:r>
+                    </a:p>
+                  </a:txBody>
+                  <a:tcPr anchor="b">
+                    <a:solidFill>
+                      <a:schemeClr val="bg1"/>
+                    </a:solidFill>
+                  </a:tcPr>
+                </a:tc>
+                <a:tc>
+                  <a:txBody>
+                    <a:bodyPr/>
+                    <a:lstStyle/>
+                    <a:p>
+                      <a:pPr algn="ctr"/>
+                      <a:r>
+                        <a:rPr lang="en-US" dirty="0">
+                          <a:solidFill>
+                            <a:schemeClr val="tx2"/>
+                          </a:solidFill>
+                        </a:rPr>
+                        <a:t>Comments</a:t>
+                      </a:r>
+                    </a:p>
+                  </a:txBody>
+                  <a:tcPr anchor="b">
+                    <a:solidFill>
+                      <a:schemeClr val="bg1"/>
+                    </a:solidFill>
+                  </a:tcPr>
+                </a:tc>
+                <a:extLst>
+                  <a:ext uri="{0D108BD9-81ED-4DB2-BD59-A6C34878D82A}">
+                    <a16:rowId xmlns:a16="http://schemas.microsoft.com/office/drawing/2014/main" val="3863481141"/>
+                  </a:ext>
+                </a:extLst>
+              </a:tr>
+              <a:tr h="803810">
+                <a:tc>
+                  <a:txBody>
+                    <a:bodyPr/>
+                    <a:lstStyle/>
+                    <a:p>
+                      <a:pPr algn="ctr"/>
+                      <a:r>
+                        <a:rPr lang="en-US" sz="1600" dirty="0">
+                          <a:solidFill>
+                            <a:schemeClr val="bg1"/>
+                          </a:solidFill>
+                        </a:rPr>
+                        <a:t>Artificial Neural Network</a:t>
+                      </a:r>
+                    </a:p>
+                  </a:txBody>
+                  <a:tcPr anchor="ctr">
+                    <a:solidFill>
+                      <a:schemeClr val="tx2"/>
+                    </a:solidFill>
+                  </a:tcPr>
+                </a:tc>
+                <a:tc>
+                  <a:txBody>
+                    <a:bodyPr/>
+                    <a:lstStyle/>
+                    <a:p>
+                      <a:pPr marL="285750" indent="-285750" algn="l">
+                        <a:buFont typeface="Arial" panose="020B0604020202020204" pitchFamily="34" charset="0"/>
+                        <a:buChar char="•"/>
+                      </a:pPr>
+                      <a:r>
+                        <a:rPr lang="en-US" sz="1400" dirty="0"/>
+                        <a:t>Train: </a:t>
+                      </a:r>
+                    </a:p>
+                    <a:p>
+                      <a:pPr marL="285750" indent="-285750" algn="l">
+                        <a:buFont typeface="Arial" panose="020B0604020202020204" pitchFamily="34" charset="0"/>
+                        <a:buChar char="•"/>
+                      </a:pPr>
+                      <a:r>
+                        <a:rPr lang="en-US" sz="1400" dirty="0"/>
+                        <a:t>Test:</a:t>
+                      </a:r>
+                    </a:p>
+                  </a:txBody>
+                  <a:tcPr anchor="ctr">
+                    <a:solidFill>
+                      <a:schemeClr val="bg1">
+                        <a:lumMod val="95000"/>
+                      </a:schemeClr>
+                    </a:solidFill>
+                  </a:tcPr>
+                </a:tc>
+                <a:tc>
+                  <a:txBody>
+                    <a:bodyPr/>
+                    <a:lstStyle/>
+                    <a:p>
+                      <a:pPr algn="ctr"/>
+                      <a:endParaRPr lang="en-US" sz="1400" dirty="0"/>
+                    </a:p>
+                  </a:txBody>
+                  <a:tcPr anchor="ctr">
+                    <a:solidFill>
+                      <a:schemeClr val="bg1">
+                        <a:lumMod val="95000"/>
+                      </a:schemeClr>
+                    </a:solidFill>
+                  </a:tcPr>
+                </a:tc>
+                <a:tc>
+                  <a:txBody>
+                    <a:bodyPr/>
+                    <a:lstStyle/>
+                    <a:p>
+                      <a:pPr algn="ctr"/>
+                      <a:endParaRPr lang="en-US" sz="1200" dirty="0"/>
+                    </a:p>
+                  </a:txBody>
+                  <a:tcPr anchor="ctr">
+                    <a:solidFill>
+                      <a:schemeClr val="bg1">
+                        <a:lumMod val="95000"/>
+                      </a:schemeClr>
+                    </a:solidFill>
+                  </a:tcPr>
+                </a:tc>
+                <a:tc>
+                  <a:txBody>
+                    <a:bodyPr/>
+                    <a:lstStyle/>
+                    <a:p>
+                      <a:pPr algn="ctr"/>
+                      <a:endParaRPr lang="en-US" sz="1400" dirty="0"/>
+                    </a:p>
+                  </a:txBody>
+                  <a:tcPr anchor="ctr">
+                    <a:solidFill>
+                      <a:schemeClr val="bg1">
+                        <a:lumMod val="95000"/>
+                      </a:schemeClr>
+                    </a:solidFill>
+                  </a:tcPr>
+                </a:tc>
+                <a:extLst>
+                  <a:ext uri="{0D108BD9-81ED-4DB2-BD59-A6C34878D82A}">
+                    <a16:rowId xmlns:a16="http://schemas.microsoft.com/office/drawing/2014/main" val="2303622725"/>
+                  </a:ext>
+                </a:extLst>
+              </a:tr>
+              <a:tr h="803810">
+                <a:tc>
+                  <a:txBody>
+                    <a:bodyPr/>
+                    <a:lstStyle/>
+                    <a:p>
+                      <a:pPr algn="ctr"/>
+                      <a:r>
+                        <a:rPr lang="en-US" dirty="0">
+                          <a:solidFill>
+                            <a:schemeClr val="bg1"/>
+                          </a:solidFill>
+                        </a:rPr>
+                        <a:t>Convolutional Neural Network</a:t>
+                      </a:r>
+                    </a:p>
+                  </a:txBody>
+                  <a:tcPr anchor="ctr">
+                    <a:solidFill>
+                      <a:schemeClr val="tx2"/>
+                    </a:solidFill>
+                  </a:tcPr>
+                </a:tc>
+                <a:tc>
+                  <a:txBody>
+                    <a:bodyPr/>
+                    <a:lstStyle/>
+                    <a:p>
+                      <a:pPr algn="ctr"/>
+                      <a:endParaRPr lang="en-US" sz="1400" dirty="0"/>
+                    </a:p>
+                  </a:txBody>
+                  <a:tcPr anchor="ctr">
+                    <a:solidFill>
+                      <a:schemeClr val="bg1">
+                        <a:lumMod val="95000"/>
+                      </a:schemeClr>
+                    </a:solidFill>
+                  </a:tcPr>
+                </a:tc>
+                <a:tc>
+                  <a:txBody>
+                    <a:bodyPr/>
+                    <a:lstStyle/>
+                    <a:p>
+                      <a:pPr algn="ctr"/>
+                      <a:endParaRPr lang="en-US" sz="1400" dirty="0"/>
+                    </a:p>
+                  </a:txBody>
+                  <a:tcPr anchor="ctr">
+                    <a:solidFill>
+                      <a:schemeClr val="bg1">
+                        <a:lumMod val="95000"/>
+                      </a:schemeClr>
+                    </a:solidFill>
+                  </a:tcPr>
+                </a:tc>
+                <a:tc>
+                  <a:txBody>
+                    <a:bodyPr/>
+                    <a:lstStyle/>
+                    <a:p>
+                      <a:pPr algn="ctr"/>
+                      <a:endParaRPr lang="en-US" sz="1200" dirty="0"/>
+                    </a:p>
+                  </a:txBody>
+                  <a:tcPr anchor="ctr">
+                    <a:solidFill>
+                      <a:schemeClr val="bg1">
+                        <a:lumMod val="95000"/>
+                      </a:schemeClr>
+                    </a:solidFill>
+                  </a:tcPr>
+                </a:tc>
+                <a:tc>
+                  <a:txBody>
+                    <a:bodyPr/>
+                    <a:lstStyle/>
+                    <a:p>
+                      <a:pPr algn="ctr"/>
+                      <a:endParaRPr lang="en-US" sz="1400" dirty="0"/>
+                    </a:p>
+                  </a:txBody>
+                  <a:tcPr anchor="ctr">
+                    <a:solidFill>
+                      <a:schemeClr val="bg1">
+                        <a:lumMod val="95000"/>
+                      </a:schemeClr>
+                    </a:solidFill>
+                  </a:tcPr>
+                </a:tc>
+                <a:extLst>
+                  <a:ext uri="{0D108BD9-81ED-4DB2-BD59-A6C34878D82A}">
+                    <a16:rowId xmlns:a16="http://schemas.microsoft.com/office/drawing/2014/main" val="3035223365"/>
+                  </a:ext>
+                </a:extLst>
+              </a:tr>
+              <a:tr h="803810">
+                <a:tc>
+                  <a:txBody>
+                    <a:bodyPr/>
+                    <a:lstStyle/>
+                    <a:p>
+                      <a:pPr algn="ctr"/>
+                      <a:r>
+                        <a:rPr lang="en-US" dirty="0">
+                          <a:solidFill>
+                            <a:schemeClr val="bg1"/>
+                          </a:solidFill>
+                        </a:rPr>
+                        <a:t>Gated Recurrent Unit</a:t>
+                      </a:r>
+                    </a:p>
+                  </a:txBody>
+                  <a:tcPr anchor="ctr">
+                    <a:solidFill>
+                      <a:schemeClr val="tx2"/>
+                    </a:solidFill>
+                  </a:tcPr>
+                </a:tc>
+                <a:tc>
+                  <a:txBody>
+                    <a:bodyPr/>
+                    <a:lstStyle/>
+                    <a:p>
+                      <a:pPr marL="285750" indent="-285750" algn="l">
+                        <a:buFont typeface="Arial" panose="020B0604020202020204" pitchFamily="34" charset="0"/>
+                        <a:buChar char="•"/>
+                      </a:pPr>
+                      <a:r>
+                        <a:rPr lang="en-US" sz="1400" dirty="0"/>
+                        <a:t>Train: </a:t>
+                      </a:r>
+                      <a:r>
+                        <a:rPr lang="en-US" sz="1400" dirty="0">
+                          <a:solidFill>
+                            <a:srgbClr val="FF0000"/>
+                          </a:solidFill>
+                        </a:rPr>
+                        <a:t>0.22</a:t>
+                      </a:r>
+                    </a:p>
+                    <a:p>
+                      <a:pPr marL="285750" indent="-285750" algn="l">
+                        <a:buFont typeface="Arial" panose="020B0604020202020204" pitchFamily="34" charset="0"/>
+                        <a:buChar char="•"/>
+                      </a:pPr>
+                      <a:r>
+                        <a:rPr lang="en-US" sz="1400" dirty="0"/>
+                        <a:t>Test: </a:t>
+                      </a:r>
+                      <a:r>
+                        <a:rPr lang="en-US" sz="1400" dirty="0">
+                          <a:solidFill>
+                            <a:srgbClr val="FF0000"/>
+                          </a:solidFill>
+                        </a:rPr>
+                        <a:t>6.45</a:t>
+                      </a:r>
+                    </a:p>
+                  </a:txBody>
+                  <a:tcPr anchor="ctr">
+                    <a:solidFill>
+                      <a:schemeClr val="bg1">
+                        <a:lumMod val="95000"/>
+                      </a:schemeClr>
+                    </a:solidFill>
+                  </a:tcPr>
+                </a:tc>
+                <a:tc>
+                  <a:txBody>
+                    <a:bodyPr/>
+                    <a:lstStyle/>
+                    <a:p>
+                      <a:pPr marL="285750" indent="-285750" algn="l">
+                        <a:buFont typeface="Arial" panose="020B0604020202020204" pitchFamily="34" charset="0"/>
+                        <a:buChar char="•"/>
+                      </a:pPr>
+                      <a:r>
+                        <a:rPr lang="en-US" sz="1400" dirty="0"/>
+                        <a:t>Train</a:t>
+                      </a:r>
+                      <a:r>
+                        <a:rPr lang="en-US" sz="1400" dirty="0">
+                          <a:solidFill>
+                            <a:schemeClr val="tx1"/>
+                          </a:solidFill>
+                        </a:rPr>
+                        <a:t>: 0.98</a:t>
+                      </a:r>
+                    </a:p>
+                    <a:p>
+                      <a:pPr marL="285750" indent="-285750" algn="l">
+                        <a:buFont typeface="Arial" panose="020B0604020202020204" pitchFamily="34" charset="0"/>
+                        <a:buChar char="•"/>
+                      </a:pPr>
+                      <a:r>
+                        <a:rPr lang="en-US" sz="1400" dirty="0"/>
+                        <a:t>Test: </a:t>
+                      </a:r>
+                      <a:r>
+                        <a:rPr lang="en-US" sz="1400" dirty="0">
+                          <a:solidFill>
+                            <a:schemeClr val="tx1"/>
+                          </a:solidFill>
+                        </a:rPr>
+                        <a:t>0.07</a:t>
+                      </a:r>
+                    </a:p>
+                  </a:txBody>
+                  <a:tcPr anchor="ctr">
+                    <a:solidFill>
+                      <a:schemeClr val="bg1">
+                        <a:lumMod val="95000"/>
+                      </a:schemeClr>
+                    </a:solidFill>
+                  </a:tcPr>
+                </a:tc>
+                <a:tc>
+                  <a:txBody>
+                    <a:bodyPr/>
+                    <a:lstStyle/>
+                    <a:p>
+                      <a:pPr marL="171450" marR="0" lvl="0" indent="-171450" algn="l" defTabSz="914400" rtl="0" eaLnBrk="1" fontAlgn="auto" latinLnBrk="0" hangingPunct="1">
+                        <a:lnSpc>
+                          <a:spcPct val="100000"/>
+                        </a:lnSpc>
+                        <a:spcBef>
+                          <a:spcPts val="0"/>
+                        </a:spcBef>
+                        <a:spcAft>
+                          <a:spcPts val="0"/>
+                        </a:spcAft>
+                        <a:buClrTx/>
+                        <a:buSzTx/>
+                        <a:buFont typeface="Arial" panose="020B0604020202020204" pitchFamily="34" charset="0"/>
+                        <a:buChar char="•"/>
+                        <a:tabLst/>
+                        <a:defRPr/>
+                      </a:pPr>
+                      <a:r>
+                        <a:rPr lang="en-US" sz="1400" kern="1200" dirty="0">
+                          <a:solidFill>
+                            <a:schemeClr val="dk1"/>
+                          </a:solidFill>
+                          <a:latin typeface="+mn-lt"/>
+                          <a:ea typeface="+mn-ea"/>
+                          <a:cs typeface="+mn-cs"/>
+                        </a:rPr>
+                        <a:t>Weight Decay: 0, Dropout: 0.01, Learning Rate: 0.00025, Optimizer: Adam</a:t>
+                      </a:r>
+                    </a:p>
+                  </a:txBody>
+                  <a:tcPr anchor="ctr">
+                    <a:solidFill>
+                      <a:schemeClr val="bg1">
+                        <a:lumMod val="95000"/>
+                      </a:schemeClr>
+                    </a:solidFill>
+                  </a:tcPr>
+                </a:tc>
+                <a:tc>
+                  <a:txBody>
+                    <a:bodyPr/>
+                    <a:lstStyle/>
+                    <a:p>
+                      <a:pPr marL="285750" indent="-285750" algn="l">
+                        <a:buFont typeface="Arial" panose="020B0604020202020204" pitchFamily="34" charset="0"/>
+                        <a:buChar char="•"/>
+                      </a:pPr>
+                      <a:r>
+                        <a:rPr lang="en-US" sz="1400" dirty="0">
+                          <a:solidFill>
+                            <a:srgbClr val="FF0000"/>
+                          </a:solidFill>
+                        </a:rPr>
+                        <a:t>Very similar results to LSTM globally </a:t>
+                      </a:r>
+                      <a:r>
+                        <a:rPr lang="en-US" sz="1400" dirty="0"/>
+                        <a:t>but better results locally.</a:t>
+                      </a:r>
+                    </a:p>
+                  </a:txBody>
+                  <a:tcPr anchor="ctr">
+                    <a:solidFill>
+                      <a:schemeClr val="bg1">
+                        <a:lumMod val="95000"/>
+                      </a:schemeClr>
+                    </a:solidFill>
+                  </a:tcPr>
+                </a:tc>
+                <a:extLst>
+                  <a:ext uri="{0D108BD9-81ED-4DB2-BD59-A6C34878D82A}">
+                    <a16:rowId xmlns:a16="http://schemas.microsoft.com/office/drawing/2014/main" val="351271571"/>
+                  </a:ext>
+                </a:extLst>
+              </a:tr>
+              <a:tr h="803810">
+                <a:tc>
+                  <a:txBody>
+                    <a:bodyPr/>
+                    <a:lstStyle/>
+                    <a:p>
+                      <a:pPr algn="ctr"/>
+                      <a:r>
+                        <a:rPr lang="en-US" dirty="0">
+                          <a:solidFill>
+                            <a:schemeClr val="bg1"/>
+                          </a:solidFill>
+                        </a:rPr>
+                        <a:t>Long-Short Term Memory</a:t>
+                      </a:r>
+                    </a:p>
+                  </a:txBody>
+                  <a:tcPr anchor="ctr">
+                    <a:solidFill>
+                      <a:schemeClr val="tx2"/>
+                    </a:solidFill>
+                  </a:tcPr>
+                </a:tc>
+                <a:tc>
+                  <a:txBody>
+                    <a:bodyPr/>
+                    <a:lstStyle/>
+                    <a:p>
+                      <a:pPr marL="285750" indent="-285750" algn="l">
+                        <a:buFont typeface="Arial" panose="020B0604020202020204" pitchFamily="34" charset="0"/>
+                        <a:buChar char="•"/>
+                      </a:pPr>
+                      <a:r>
+                        <a:rPr lang="en-US" sz="1400" dirty="0"/>
+                        <a:t>Train: </a:t>
+                      </a:r>
+                      <a:r>
+                        <a:rPr lang="en-US" sz="1400" dirty="0">
+                          <a:solidFill>
+                            <a:srgbClr val="FF0000"/>
+                          </a:solidFill>
+                        </a:rPr>
+                        <a:t>0.22</a:t>
+                      </a:r>
+                    </a:p>
+                    <a:p>
+                      <a:pPr marL="285750" indent="-285750" algn="l">
+                        <a:buFont typeface="Arial" panose="020B0604020202020204" pitchFamily="34" charset="0"/>
+                        <a:buChar char="•"/>
+                      </a:pPr>
+                      <a:r>
+                        <a:rPr lang="en-US" sz="1400" dirty="0"/>
+                        <a:t>Test: </a:t>
+                      </a:r>
+                      <a:r>
+                        <a:rPr lang="en-US" sz="1400" dirty="0">
+                          <a:solidFill>
+                            <a:srgbClr val="FF0000"/>
+                          </a:solidFill>
+                        </a:rPr>
+                        <a:t>6.45</a:t>
+                      </a:r>
+                    </a:p>
+                  </a:txBody>
+                  <a:tcPr anchor="ctr">
+                    <a:solidFill>
+                      <a:schemeClr val="bg1">
+                        <a:lumMod val="95000"/>
+                      </a:schemeClr>
+                    </a:solidFill>
+                  </a:tcPr>
+                </a:tc>
+                <a:tc>
+                  <a:txBody>
+                    <a:bodyPr/>
+                    <a:lstStyle/>
+                    <a:p>
+                      <a:pPr marL="285750" indent="-285750" algn="l">
+                        <a:buFont typeface="Arial" panose="020B0604020202020204" pitchFamily="34" charset="0"/>
+                        <a:buChar char="•"/>
+                      </a:pPr>
+                      <a:r>
+                        <a:rPr lang="en-US" sz="1400" dirty="0"/>
+                        <a:t>Train</a:t>
+                      </a:r>
+                      <a:r>
+                        <a:rPr lang="en-US" sz="1400" dirty="0">
+                          <a:solidFill>
+                            <a:schemeClr val="tx1"/>
+                          </a:solidFill>
+                        </a:rPr>
+                        <a:t>: 0.96</a:t>
+                      </a:r>
+                    </a:p>
+                    <a:p>
+                      <a:pPr marL="285750" indent="-285750" algn="l">
+                        <a:buFont typeface="Arial" panose="020B0604020202020204" pitchFamily="34" charset="0"/>
+                        <a:buChar char="•"/>
+                      </a:pPr>
+                      <a:r>
+                        <a:rPr lang="en-US" sz="1400" dirty="0"/>
+                        <a:t>Test: </a:t>
+                      </a:r>
+                      <a:r>
+                        <a:rPr lang="en-US" sz="1400" dirty="0">
+                          <a:solidFill>
+                            <a:schemeClr val="tx1"/>
+                          </a:solidFill>
+                        </a:rPr>
+                        <a:t>0.13</a:t>
+                      </a:r>
+                    </a:p>
+                  </a:txBody>
+                  <a:tcPr anchor="ctr">
+                    <a:solidFill>
+                      <a:schemeClr val="bg1">
+                        <a:lumMod val="95000"/>
+                      </a:schemeClr>
+                    </a:solidFill>
+                  </a:tcPr>
+                </a:tc>
+                <a:tc>
+                  <a:txBody>
+                    <a:bodyPr/>
+                    <a:lstStyle/>
+                    <a:p>
+                      <a:pPr marL="171450" indent="-171450" algn="l">
+                        <a:buFont typeface="Arial" panose="020B0604020202020204" pitchFamily="34" charset="0"/>
+                        <a:buChar char="•"/>
+                      </a:pPr>
+                      <a:r>
+                        <a:rPr lang="en-US" sz="1400" dirty="0"/>
+                        <a:t>Weight Decay: 0, Dropout: 0.01, Learning Rate: 0.00025, Optimizer: Adam</a:t>
+                      </a:r>
+                    </a:p>
+                  </a:txBody>
+                  <a:tcPr anchor="ctr">
+                    <a:solidFill>
+                      <a:schemeClr val="bg1">
+                        <a:lumMod val="95000"/>
+                      </a:schemeClr>
+                    </a:solidFill>
+                  </a:tcPr>
+                </a:tc>
+                <a:tc>
+                  <a:txBody>
+                    <a:bodyPr/>
+                    <a:lstStyle/>
+                    <a:p>
+                      <a:pPr marL="285750" indent="-285750" algn="l">
+                        <a:buFont typeface="Arial" panose="020B0604020202020204" pitchFamily="34" charset="0"/>
+                        <a:buChar char="•"/>
+                      </a:pPr>
+                      <a:r>
+                        <a:rPr lang="en-US" sz="1400" dirty="0"/>
+                        <a:t>Picks up trends globally around 575. It starts overfitting at 1250. Does not pick up trends locally.</a:t>
+                      </a:r>
+                    </a:p>
+                  </a:txBody>
+                  <a:tcPr anchor="ctr">
+                    <a:solidFill>
+                      <a:schemeClr val="bg1">
+                        <a:lumMod val="95000"/>
+                      </a:schemeClr>
+                    </a:solidFill>
+                  </a:tcPr>
+                </a:tc>
+                <a:extLst>
+                  <a:ext uri="{0D108BD9-81ED-4DB2-BD59-A6C34878D82A}">
+                    <a16:rowId xmlns:a16="http://schemas.microsoft.com/office/drawing/2014/main" val="3955377297"/>
+                  </a:ext>
+                </a:extLst>
+              </a:tr>
+            </a:tbl>
+          </a:graphicData>
+        </a:graphic>
+      </p:graphicFrame>
+    </p:spTree>
+    <p:extLst>
+      <p:ext uri="{BB962C8B-B14F-4D97-AF65-F5344CB8AC3E}">
+        <p14:creationId xmlns:p14="http://schemas.microsoft.com/office/powerpoint/2010/main" val="2458173802"/>
+      </p:ext>
+    </p:extLst>
+  </p:cSld>
+  <p:clrMapOvr>
+    <a:masterClrMapping/>
+  </p:clrMapOvr>
+</p:sld>
+</file>
+
 <file path=ppt/tags/tag1.xml><?xml version="1.0" encoding="utf-8"?>
 <p:tagLst xmlns:a="http://schemas.openxmlformats.org/drawingml/2006/main" xmlns:r="http://schemas.openxmlformats.org/officeDocument/2006/relationships" xmlns:p="http://schemas.openxmlformats.org/presentationml/2006/main">
   <p:tag name="THINKCELLPRESENTATIONDONOTDELETE" val="&lt;?xml version=&quot;1.0&quot; encoding=&quot;UTF-16&quot; standalone=&quot;yes&quot;?&gt;&lt;root reqver=&quot;25060&quot;&gt;&lt;version val=&quot;28418&quot;/&gt;&lt;CPresentation id=&quot;1&quot;&gt;&lt;m_precDefaultNumber&gt;&lt;m_bNumberIsYear val=&quot;1&quot;/&gt;&lt;m_chMinusSymbol&gt;-&lt;/m_chMinusSymbol&gt;&lt;m_chDecimalSymbol17909&gt;.&lt;/m_chDecimalSymbol17909&gt;&lt;m_nGroupingDigits17909 val=&quot;3&quot;/&gt;&lt;m_chGroupingSymbol17909&gt;,&lt;/m_chGroupingSymbol17909&gt;&lt;m_yearfmt&gt;&lt;begin val=&quot;0&quot;/&gt;&lt;end val=&quot;4&quot;/&gt;&lt;/m_yearfmt&gt;&lt;/m_precDefaultNumber&gt;&lt;m_precDefaultPercent&gt;&lt;m_bNumberIsYear val=&quot;1&quot;/&gt;&lt;m_chMinusSymbol&gt;-&lt;/m_chMinusSymbol&gt;&lt;m_nDecimalDigits17909 val=&quot;0&quot;/&gt;&lt;m_chDecimalSymbol17909&gt;.&lt;/m_chDecimalSymbol17909&gt;&lt;m_nGroupingDigits17909 val=&quot;3&quot;/&gt;&lt;m_chGroupingSymbol17909&gt;,&lt;/m_chGroupingSymbol17909&gt;&lt;m_strSuffix17909&gt;%&lt;/m_strSuffix17909&gt;&lt;m_yearfmt&gt;&lt;begin val=&quot;0&quot;/&gt;&lt;end val=&quot;4&quot;/&gt;&lt;/m_yearfmt&gt;&lt;/m_precDefaultPercent&gt;&lt;m_precDefaultDate&gt;&lt;m_bNumberIsYear val=&quot;0&quot;/&gt;&lt;m_strFormatTime&gt;%#m/%#d/%Y&lt;/m_strFormatTime&gt;&lt;m_yearfmt&gt;&lt;begin val=&quot;0&quot;/&gt;&lt;end val=&quot;0&quot;/&gt;&lt;/m_yearfmt&gt;&lt;/m_precDefaultDate&gt;&lt;m_precDefaultYear&gt;&lt;m_yearfmt&gt;&lt;begin val=&quot;0&quot;/&gt;&lt;end val=&quot;4&quot;/&gt;&lt;/m_yearfmt&gt;&lt;/m_precDefaultYear&gt;&lt;m_precDefaultQuarter&gt;&lt;m_yearfmt&gt;&lt;begin val=&quot;0&quot;/&gt;&lt;end val=&quot;4&quot;/&gt;&lt;/m_yearfmt&gt;&lt;/m_precDefaultQuarter&gt;&lt;m_precDefaultMonth&gt;&lt;m_yearfmt&gt;&lt;begin val=&quot;0&quot;/&gt;&lt;end val=&quot;4&quot;/&gt;&lt;/m_yearfmt&gt;&lt;/m_precDefaultMonth&gt;&lt;m_precDefaultWeek&gt;&lt;m_yearfmt&gt;&lt;begin val=&quot;0&quot;/&gt;&lt;end val=&quot;4&quot;/&gt;&lt;/m_yearfmt&gt;&lt;/m_precDefaultWeek&gt;&lt;m_precDefaultDay&gt;&lt;m_yearfmt&gt;&lt;begin val=&quot;0&quot;/&gt;&lt;end val=&quot;4&quot;/&gt;&lt;/m_yearfmt&gt;&lt;/m_precDefaultDay&gt;&lt;m_mruColor&gt;&lt;m_vecMRU length=&quot;0&quot;/&gt;&lt;/m_mruColor&gt;&lt;m_eweekdayFirstOfWeek val=&quot;1&quot;/&gt;&lt;m_eweekdayFirstOfWorkweek val=&quot;2&quot;/&gt;&lt;m_eweekdayFirstOfWeekend val=&quot;7&quot;/&gt;&lt;/CPresentation&gt;&lt;/root&gt;"/>
@@ -12853,13 +15246,13 @@
 
 <file path=ppt/tags/tag10.xml><?xml version="1.0" encoding="utf-8"?>
 <p:tagLst xmlns:a="http://schemas.openxmlformats.org/drawingml/2006/main" xmlns:r="http://schemas.openxmlformats.org/officeDocument/2006/relationships" xmlns:p="http://schemas.openxmlformats.org/presentationml/2006/main">
-  <p:tag name="THINKCELLSHAPEDONOTDELETE" val="t0XrDDUNjAU.1WmkY9taA6g"/>
+  <p:tag name="THINKCELLSHAPEDONOTDELETE" val="t50W0EjraY96LS.W.q3JECw"/>
 </p:tagLst>
 </file>
 
 <file path=ppt/tags/tag11.xml><?xml version="1.0" encoding="utf-8"?>
 <p:tagLst xmlns:a="http://schemas.openxmlformats.org/drawingml/2006/main" xmlns:r="http://schemas.openxmlformats.org/officeDocument/2006/relationships" xmlns:p="http://schemas.openxmlformats.org/presentationml/2006/main">
-  <p:tag name="THINKCELLSHAPEDONOTDELETE" val="tJJTMLR8WmoRdpqfny92YEA"/>
+  <p:tag name="THINKCELLSHAPEDONOTDELETE" val="t0XrDDUNjAU.1WmkY9taA6g"/>
 </p:tagLst>
 </file>
 
@@ -12871,13 +15264,13 @@
 
 <file path=ppt/tags/tag13.xml><?xml version="1.0" encoding="utf-8"?>
 <p:tagLst xmlns:a="http://schemas.openxmlformats.org/drawingml/2006/main" xmlns:r="http://schemas.openxmlformats.org/officeDocument/2006/relationships" xmlns:p="http://schemas.openxmlformats.org/presentationml/2006/main">
-  <p:tag name="THINKCELLSHAPEDONOTDELETE" val="tZObE6LhncaVPes0JLK1TpA"/>
+  <p:tag name="THINKCELLSHAPEDONOTDELETE" val="tJJTMLR8WmoRdpqfny92YEA"/>
 </p:tagLst>
 </file>
 
 <file path=ppt/tags/tag14.xml><?xml version="1.0" encoding="utf-8"?>
 <p:tagLst xmlns:a="http://schemas.openxmlformats.org/drawingml/2006/main" xmlns:r="http://schemas.openxmlformats.org/officeDocument/2006/relationships" xmlns:p="http://schemas.openxmlformats.org/presentationml/2006/main">
-  <p:tag name="THINKCELLSHAPEDONOTDELETE" val="t50W0EjraY96LS.W.q3JECw"/>
+  <p:tag name="THINKCELLSHAPEDONOTDELETE" val="tZObE6LhncaVPes0JLK1TpA"/>
 </p:tagLst>
 </file>
 
@@ -12899,7 +15292,43 @@
 </p:tagLst>
 </file>
 
+<file path=ppt/tags/tag18.xml><?xml version="1.0" encoding="utf-8"?>
+<p:tagLst xmlns:a="http://schemas.openxmlformats.org/drawingml/2006/main" xmlns:r="http://schemas.openxmlformats.org/officeDocument/2006/relationships" xmlns:p="http://schemas.openxmlformats.org/presentationml/2006/main">
+  <p:tag name="THINKCELLSHAPEDONOTDELETE" val="thinkcellActiveDocDoNotDelete"/>
+</p:tagLst>
+</file>
+
+<file path=ppt/tags/tag19.xml><?xml version="1.0" encoding="utf-8"?>
+<p:tagLst xmlns:a="http://schemas.openxmlformats.org/drawingml/2006/main" xmlns:r="http://schemas.openxmlformats.org/officeDocument/2006/relationships" xmlns:p="http://schemas.openxmlformats.org/presentationml/2006/main">
+  <p:tag name="THINKCELLSHAPEDONOTDELETE" val="thinkcellActiveDocDoNotDelete"/>
+</p:tagLst>
+</file>
+
 <file path=ppt/tags/tag2.xml><?xml version="1.0" encoding="utf-8"?>
+<p:tagLst xmlns:a="http://schemas.openxmlformats.org/drawingml/2006/main" xmlns:r="http://schemas.openxmlformats.org/officeDocument/2006/relationships" xmlns:p="http://schemas.openxmlformats.org/presentationml/2006/main">
+  <p:tag name="THINKCELLSHAPEDONOTDELETE" val="thinkcellActiveDocDoNotDelete"/>
+</p:tagLst>
+</file>
+
+<file path=ppt/tags/tag20.xml><?xml version="1.0" encoding="utf-8"?>
+<p:tagLst xmlns:a="http://schemas.openxmlformats.org/drawingml/2006/main" xmlns:r="http://schemas.openxmlformats.org/officeDocument/2006/relationships" xmlns:p="http://schemas.openxmlformats.org/presentationml/2006/main">
+  <p:tag name="THINKCELLSHAPEDONOTDELETE" val="thinkcellActiveDocDoNotDelete"/>
+</p:tagLst>
+</file>
+
+<file path=ppt/tags/tag21.xml><?xml version="1.0" encoding="utf-8"?>
+<p:tagLst xmlns:a="http://schemas.openxmlformats.org/drawingml/2006/main" xmlns:r="http://schemas.openxmlformats.org/officeDocument/2006/relationships" xmlns:p="http://schemas.openxmlformats.org/presentationml/2006/main">
+  <p:tag name="THINKCELLSHAPEDONOTDELETE" val="thinkcellActiveDocDoNotDelete"/>
+</p:tagLst>
+</file>
+
+<file path=ppt/tags/tag22.xml><?xml version="1.0" encoding="utf-8"?>
+<p:tagLst xmlns:a="http://schemas.openxmlformats.org/drawingml/2006/main" xmlns:r="http://schemas.openxmlformats.org/officeDocument/2006/relationships" xmlns:p="http://schemas.openxmlformats.org/presentationml/2006/main">
+  <p:tag name="THINKCELLSHAPEDONOTDELETE" val="thinkcellActiveDocDoNotDelete"/>
+</p:tagLst>
+</file>
+
+<file path=ppt/tags/tag23.xml><?xml version="1.0" encoding="utf-8"?>
 <p:tagLst xmlns:a="http://schemas.openxmlformats.org/drawingml/2006/main" xmlns:r="http://schemas.openxmlformats.org/officeDocument/2006/relationships" xmlns:p="http://schemas.openxmlformats.org/presentationml/2006/main">
   <p:tag name="THINKCELLSHAPEDONOTDELETE" val="thinkcellActiveDocDoNotDelete"/>
 </p:tagLst>
@@ -12931,7 +15360,7 @@
 
 <file path=ppt/tags/tag7.xml><?xml version="1.0" encoding="utf-8"?>
 <p:tagLst xmlns:a="http://schemas.openxmlformats.org/drawingml/2006/main" xmlns:r="http://schemas.openxmlformats.org/officeDocument/2006/relationships" xmlns:p="http://schemas.openxmlformats.org/presentationml/2006/main">
-  <p:tag name="THINKCELLSHAPEDONOTDELETE" val="tF6Wr7KE52O_ZZVtPfZ86tg"/>
+  <p:tag name="THINKCELLSHAPEDONOTDELETE" val="tGPTf4qRmHQk9TRqugmiW.A"/>
 </p:tagLst>
 </file>
 

--- a/Final Project/Final Project - Deep Learning.pptx
+++ b/Final Project/Final Project - Deep Learning.pptx
@@ -5203,7 +5203,7 @@
           <a:graphicData uri="http://schemas.openxmlformats.org/presentationml/2006/ole">
             <mc:AlternateContent xmlns:mc="http://schemas.openxmlformats.org/markup-compatibility/2006">
               <mc:Choice xmlns:v="urn:schemas-microsoft-com:vml" Requires="v">
-                <p:oleObj spid="_x0000_s1272" name="think-cell Slide" r:id="rId16" imgW="592" imgH="591" progId="TCLayout.ActiveDocument.1">
+                <p:oleObj spid="_x0000_s1279" name="think-cell Slide" r:id="rId16" imgW="592" imgH="591" progId="TCLayout.ActiveDocument.1">
                   <p:embed/>
                 </p:oleObj>
               </mc:Choice>
@@ -5845,7 +5845,7 @@
           <a:graphicData uri="http://schemas.openxmlformats.org/presentationml/2006/ole">
             <mc:AlternateContent xmlns:mc="http://schemas.openxmlformats.org/markup-compatibility/2006">
               <mc:Choice xmlns:v="urn:schemas-microsoft-com:vml" Requires="v">
-                <p:oleObj spid="_x0000_s2299" name="think-cell Slide" r:id="rId4" imgW="592" imgH="591" progId="TCLayout.ActiveDocument.1">
+                <p:oleObj spid="_x0000_s2306" name="think-cell Slide" r:id="rId4" imgW="592" imgH="591" progId="TCLayout.ActiveDocument.1">
                   <p:embed/>
                 </p:oleObj>
               </mc:Choice>
@@ -6136,7 +6136,7 @@
           <a:graphicData uri="http://schemas.openxmlformats.org/presentationml/2006/ole">
             <mc:AlternateContent xmlns:mc="http://schemas.openxmlformats.org/markup-compatibility/2006">
               <mc:Choice xmlns:v="urn:schemas-microsoft-com:vml" Requires="v">
-                <p:oleObj spid="_x0000_s54283" name="think-cell Slide" r:id="rId4" imgW="592" imgH="591" progId="TCLayout.ActiveDocument.1">
+                <p:oleObj spid="_x0000_s54293" name="think-cell Slide" r:id="rId4" imgW="592" imgH="591" progId="TCLayout.ActiveDocument.1">
                   <p:embed/>
                 </p:oleObj>
               </mc:Choice>
@@ -6199,7 +6199,7 @@
                   <a:schemeClr val="tx2"/>
                 </a:solidFill>
               </a:rPr>
-              <a:t>Conclusions &amp; Model Results| </a:t>
+              <a:t>Next Steps| </a:t>
             </a:r>
             <a:r>
               <a:rPr lang="en-US" sz="2400" dirty="0">
@@ -6207,7 +6207,7 @@
                   <a:schemeClr val="tx2"/>
                 </a:solidFill>
               </a:rPr>
-              <a:t>We can reasonably forecast future COVID19 cases at a Global scale, but models do not pick up trends Locally</a:t>
+              <a:t>The results we have obtained are reasonable at a global level, but we would like to continue our work at the local level</a:t>
             </a:r>
           </a:p>
         </p:txBody>
@@ -6257,6 +6257,556 @@
           </a:extLst>
         </p:spPr>
       </p:pic>
+      <p:graphicFrame>
+        <p:nvGraphicFramePr>
+          <p:cNvPr id="3" name="Table 4">
+            <a:extLst>
+              <a:ext uri="{FF2B5EF4-FFF2-40B4-BE49-F238E27FC236}">
+                <a16:creationId xmlns:a16="http://schemas.microsoft.com/office/drawing/2014/main" id="{239F596B-26F4-4BF0-B801-17F8E9BBAF75}"/>
+              </a:ext>
+            </a:extLst>
+          </p:cNvPr>
+          <p:cNvGraphicFramePr>
+            <a:graphicFrameLocks noGrp="1"/>
+          </p:cNvGraphicFramePr>
+          <p:nvPr>
+            <p:extLst>
+              <p:ext uri="{D42A27DB-BD31-4B8C-83A1-F6EECF244321}">
+                <p14:modId xmlns:p14="http://schemas.microsoft.com/office/powerpoint/2010/main" val="3322227694"/>
+              </p:ext>
+            </p:extLst>
+          </p:nvPr>
+        </p:nvGraphicFramePr>
+        <p:xfrm>
+          <a:off x="703341" y="2614140"/>
+          <a:ext cx="5010396" cy="3508284"/>
+        </p:xfrm>
+        <a:graphic>
+          <a:graphicData uri="http://schemas.openxmlformats.org/drawingml/2006/table">
+            <a:tbl>
+              <a:tblPr firstRow="1" bandRow="1">
+                <a:tableStyleId>{5C22544A-7EE6-4342-B048-85BDC9FD1C3A}</a:tableStyleId>
+              </a:tblPr>
+              <a:tblGrid>
+                <a:gridCol w="1807470">
+                  <a:extLst>
+                    <a:ext uri="{9D8B030D-6E8A-4147-A177-3AD203B41FA5}">
+                      <a16:colId xmlns:a16="http://schemas.microsoft.com/office/drawing/2014/main" val="2875634431"/>
+                    </a:ext>
+                  </a:extLst>
+                </a:gridCol>
+                <a:gridCol w="3202926">
+                  <a:extLst>
+                    <a:ext uri="{9D8B030D-6E8A-4147-A177-3AD203B41FA5}">
+                      <a16:colId xmlns:a16="http://schemas.microsoft.com/office/drawing/2014/main" val="2742594390"/>
+                    </a:ext>
+                  </a:extLst>
+                </a:gridCol>
+              </a:tblGrid>
+              <a:tr h="877071">
+                <a:tc>
+                  <a:txBody>
+                    <a:bodyPr/>
+                    <a:lstStyle/>
+                    <a:p>
+                      <a:pPr algn="ctr"/>
+                      <a:r>
+                        <a:rPr lang="en-US" dirty="0"/>
+                        <a:t>Data Source</a:t>
+                      </a:r>
+                    </a:p>
+                  </a:txBody>
+                  <a:tcPr anchor="ctr">
+                    <a:solidFill>
+                      <a:schemeClr val="tx2"/>
+                    </a:solidFill>
+                  </a:tcPr>
+                </a:tc>
+                <a:tc>
+                  <a:txBody>
+                    <a:bodyPr/>
+                    <a:lstStyle/>
+                    <a:p>
+                      <a:pPr algn="ctr"/>
+                      <a:r>
+                        <a:rPr lang="en-US" dirty="0"/>
+                        <a:t>Description</a:t>
+                      </a:r>
+                    </a:p>
+                  </a:txBody>
+                  <a:tcPr anchor="ctr">
+                    <a:solidFill>
+                      <a:schemeClr val="tx2"/>
+                    </a:solidFill>
+                  </a:tcPr>
+                </a:tc>
+                <a:extLst>
+                  <a:ext uri="{0D108BD9-81ED-4DB2-BD59-A6C34878D82A}">
+                    <a16:rowId xmlns:a16="http://schemas.microsoft.com/office/drawing/2014/main" val="1053388967"/>
+                  </a:ext>
+                </a:extLst>
+              </a:tr>
+              <a:tr h="877071">
+                <a:tc>
+                  <a:txBody>
+                    <a:bodyPr/>
+                    <a:lstStyle/>
+                    <a:p>
+                      <a:r>
+                        <a:rPr lang="en-US" sz="1400" dirty="0"/>
+                        <a:t>New York Times data</a:t>
+                      </a:r>
+                    </a:p>
+                  </a:txBody>
+                  <a:tcPr anchor="ctr">
+                    <a:solidFill>
+                      <a:schemeClr val="bg1">
+                        <a:lumMod val="95000"/>
+                      </a:schemeClr>
+                    </a:solidFill>
+                  </a:tcPr>
+                </a:tc>
+                <a:tc>
+                  <a:txBody>
+                    <a:bodyPr/>
+                    <a:lstStyle/>
+                    <a:p>
+                      <a:r>
+                        <a:rPr lang="en-US" sz="1400" dirty="0"/>
+                        <a:t>Data on interesting indicators of US states and counties like Mask Use </a:t>
+                      </a:r>
+                    </a:p>
+                  </a:txBody>
+                  <a:tcPr anchor="ctr">
+                    <a:solidFill>
+                      <a:schemeClr val="bg1">
+                        <a:lumMod val="95000"/>
+                      </a:schemeClr>
+                    </a:solidFill>
+                  </a:tcPr>
+                </a:tc>
+                <a:extLst>
+                  <a:ext uri="{0D108BD9-81ED-4DB2-BD59-A6C34878D82A}">
+                    <a16:rowId xmlns:a16="http://schemas.microsoft.com/office/drawing/2014/main" val="3499900581"/>
+                  </a:ext>
+                </a:extLst>
+              </a:tr>
+              <a:tr h="877071">
+                <a:tc>
+                  <a:txBody>
+                    <a:bodyPr/>
+                    <a:lstStyle/>
+                    <a:p>
+                      <a:r>
+                        <a:rPr lang="en-US" sz="1400" dirty="0"/>
+                        <a:t>European Center for Disease Prevention and Control</a:t>
+                      </a:r>
+                    </a:p>
+                  </a:txBody>
+                  <a:tcPr anchor="ctr">
+                    <a:solidFill>
+                      <a:schemeClr val="bg1">
+                        <a:lumMod val="95000"/>
+                      </a:schemeClr>
+                    </a:solidFill>
+                  </a:tcPr>
+                </a:tc>
+                <a:tc>
+                  <a:txBody>
+                    <a:bodyPr/>
+                    <a:lstStyle/>
+                    <a:p>
+                      <a:r>
+                        <a:rPr lang="en-US" sz="1400" dirty="0"/>
+                        <a:t>Extended dataset of all countries in the world updated to the present date</a:t>
+                      </a:r>
+                    </a:p>
+                  </a:txBody>
+                  <a:tcPr anchor="ctr">
+                    <a:solidFill>
+                      <a:schemeClr val="bg1">
+                        <a:lumMod val="95000"/>
+                      </a:schemeClr>
+                    </a:solidFill>
+                  </a:tcPr>
+                </a:tc>
+                <a:extLst>
+                  <a:ext uri="{0D108BD9-81ED-4DB2-BD59-A6C34878D82A}">
+                    <a16:rowId xmlns:a16="http://schemas.microsoft.com/office/drawing/2014/main" val="2349949828"/>
+                  </a:ext>
+                </a:extLst>
+              </a:tr>
+              <a:tr h="877071">
+                <a:tc>
+                  <a:txBody>
+                    <a:bodyPr/>
+                    <a:lstStyle/>
+                    <a:p>
+                      <a:r>
+                        <a:rPr lang="en-US" sz="1400" dirty="0"/>
+                        <a:t>Center for Disease Control</a:t>
+                      </a:r>
+                    </a:p>
+                  </a:txBody>
+                  <a:tcPr anchor="ctr">
+                    <a:solidFill>
+                      <a:schemeClr val="bg1">
+                        <a:lumMod val="95000"/>
+                      </a:schemeClr>
+                    </a:solidFill>
+                  </a:tcPr>
+                </a:tc>
+                <a:tc>
+                  <a:txBody>
+                    <a:bodyPr/>
+                    <a:lstStyle/>
+                    <a:p>
+                      <a:r>
+                        <a:rPr lang="en-US" sz="1400" dirty="0"/>
+                        <a:t>Data on US states and counties for tests administered and ventilator availability</a:t>
+                      </a:r>
+                    </a:p>
+                  </a:txBody>
+                  <a:tcPr anchor="ctr">
+                    <a:solidFill>
+                      <a:schemeClr val="bg1">
+                        <a:lumMod val="95000"/>
+                      </a:schemeClr>
+                    </a:solidFill>
+                  </a:tcPr>
+                </a:tc>
+                <a:extLst>
+                  <a:ext uri="{0D108BD9-81ED-4DB2-BD59-A6C34878D82A}">
+                    <a16:rowId xmlns:a16="http://schemas.microsoft.com/office/drawing/2014/main" val="4104975164"/>
+                  </a:ext>
+                </a:extLst>
+              </a:tr>
+            </a:tbl>
+          </a:graphicData>
+        </a:graphic>
+      </p:graphicFrame>
+      <p:graphicFrame>
+        <p:nvGraphicFramePr>
+          <p:cNvPr id="6" name="Table 4">
+            <a:extLst>
+              <a:ext uri="{FF2B5EF4-FFF2-40B4-BE49-F238E27FC236}">
+                <a16:creationId xmlns:a16="http://schemas.microsoft.com/office/drawing/2014/main" id="{56C862FC-4078-493F-AEE7-AD4698ABE3B5}"/>
+              </a:ext>
+            </a:extLst>
+          </p:cNvPr>
+          <p:cNvGraphicFramePr>
+            <a:graphicFrameLocks noGrp="1"/>
+          </p:cNvGraphicFramePr>
+          <p:nvPr>
+            <p:extLst>
+              <p:ext uri="{D42A27DB-BD31-4B8C-83A1-F6EECF244321}">
+                <p14:modId xmlns:p14="http://schemas.microsoft.com/office/powerpoint/2010/main" val="3083112738"/>
+              </p:ext>
+            </p:extLst>
+          </p:nvPr>
+        </p:nvGraphicFramePr>
+        <p:xfrm>
+          <a:off x="6478265" y="2614141"/>
+          <a:ext cx="5010912" cy="3508284"/>
+        </p:xfrm>
+        <a:graphic>
+          <a:graphicData uri="http://schemas.openxmlformats.org/drawingml/2006/table">
+            <a:tbl>
+              <a:tblPr firstRow="1" bandRow="1">
+                <a:tableStyleId>{5C22544A-7EE6-4342-B048-85BDC9FD1C3A}</a:tableStyleId>
+              </a:tblPr>
+              <a:tblGrid>
+                <a:gridCol w="1806571">
+                  <a:extLst>
+                    <a:ext uri="{9D8B030D-6E8A-4147-A177-3AD203B41FA5}">
+                      <a16:colId xmlns:a16="http://schemas.microsoft.com/office/drawing/2014/main" val="2875634431"/>
+                    </a:ext>
+                  </a:extLst>
+                </a:gridCol>
+                <a:gridCol w="3204341">
+                  <a:extLst>
+                    <a:ext uri="{9D8B030D-6E8A-4147-A177-3AD203B41FA5}">
+                      <a16:colId xmlns:a16="http://schemas.microsoft.com/office/drawing/2014/main" val="2742594390"/>
+                    </a:ext>
+                  </a:extLst>
+                </a:gridCol>
+              </a:tblGrid>
+              <a:tr h="854468">
+                <a:tc>
+                  <a:txBody>
+                    <a:bodyPr/>
+                    <a:lstStyle/>
+                    <a:p>
+                      <a:pPr algn="ctr"/>
+                      <a:r>
+                        <a:rPr lang="en-US" dirty="0"/>
+                        <a:t>Model</a:t>
+                      </a:r>
+                    </a:p>
+                  </a:txBody>
+                  <a:tcPr anchor="ctr">
+                    <a:solidFill>
+                      <a:schemeClr val="tx2"/>
+                    </a:solidFill>
+                  </a:tcPr>
+                </a:tc>
+                <a:tc>
+                  <a:txBody>
+                    <a:bodyPr/>
+                    <a:lstStyle/>
+                    <a:p>
+                      <a:pPr algn="ctr"/>
+                      <a:r>
+                        <a:rPr lang="en-US" dirty="0"/>
+                        <a:t>Description</a:t>
+                      </a:r>
+                    </a:p>
+                  </a:txBody>
+                  <a:tcPr anchor="ctr">
+                    <a:solidFill>
+                      <a:schemeClr val="tx2"/>
+                    </a:solidFill>
+                  </a:tcPr>
+                </a:tc>
+                <a:extLst>
+                  <a:ext uri="{0D108BD9-81ED-4DB2-BD59-A6C34878D82A}">
+                    <a16:rowId xmlns:a16="http://schemas.microsoft.com/office/drawing/2014/main" val="1053388967"/>
+                  </a:ext>
+                </a:extLst>
+              </a:tr>
+              <a:tr h="854468">
+                <a:tc>
+                  <a:txBody>
+                    <a:bodyPr/>
+                    <a:lstStyle/>
+                    <a:p>
+                      <a:r>
+                        <a:rPr lang="en-US" sz="1400" dirty="0"/>
+                        <a:t>Time-Aware LSTM</a:t>
+                      </a:r>
+                    </a:p>
+                  </a:txBody>
+                  <a:tcPr anchor="ctr">
+                    <a:solidFill>
+                      <a:schemeClr val="bg1">
+                        <a:lumMod val="95000"/>
+                      </a:schemeClr>
+                    </a:solidFill>
+                  </a:tcPr>
+                </a:tc>
+                <a:tc>
+                  <a:txBody>
+                    <a:bodyPr/>
+                    <a:lstStyle/>
+                    <a:p>
+                      <a:r>
+                        <a:rPr lang="en-US" sz="1400" dirty="0"/>
+                        <a:t>T-LSTM is a particular implementation of LSTM designed to handle irregular elapsed times. It is able to capture temporal dynamics well.</a:t>
+                      </a:r>
+                    </a:p>
+                  </a:txBody>
+                  <a:tcPr>
+                    <a:solidFill>
+                      <a:schemeClr val="bg1">
+                        <a:lumMod val="95000"/>
+                      </a:schemeClr>
+                    </a:solidFill>
+                  </a:tcPr>
+                </a:tc>
+                <a:extLst>
+                  <a:ext uri="{0D108BD9-81ED-4DB2-BD59-A6C34878D82A}">
+                    <a16:rowId xmlns:a16="http://schemas.microsoft.com/office/drawing/2014/main" val="3499900581"/>
+                  </a:ext>
+                </a:extLst>
+              </a:tr>
+              <a:tr h="854468">
+                <a:tc>
+                  <a:txBody>
+                    <a:bodyPr/>
+                    <a:lstStyle/>
+                    <a:p>
+                      <a:pPr marL="0" algn="l" defTabSz="914400" rtl="0" eaLnBrk="1" latinLnBrk="0" hangingPunct="1"/>
+                      <a:r>
+                        <a:rPr lang="en-US" sz="1400" kern="1200" dirty="0">
+                          <a:solidFill>
+                            <a:schemeClr val="dk1"/>
+                          </a:solidFill>
+                          <a:latin typeface="+mn-lt"/>
+                          <a:ea typeface="+mn-ea"/>
+                          <a:cs typeface="+mn-cs"/>
+                        </a:rPr>
+                        <a:t>Encoder-Decoder GRU</a:t>
+                      </a:r>
+                    </a:p>
+                  </a:txBody>
+                  <a:tcPr anchor="ctr">
+                    <a:solidFill>
+                      <a:schemeClr val="bg1">
+                        <a:lumMod val="95000"/>
+                      </a:schemeClr>
+                    </a:solidFill>
+                  </a:tcPr>
+                </a:tc>
+                <a:tc>
+                  <a:txBody>
+                    <a:bodyPr/>
+                    <a:lstStyle/>
+                    <a:p>
+                      <a:r>
+                        <a:rPr lang="en-US" sz="1400" dirty="0"/>
+                        <a:t>An enhanced version of the GRU that gives better results in seq2seq and Natural Language Processing tasks.</a:t>
+                      </a:r>
+                    </a:p>
+                  </a:txBody>
+                  <a:tcPr>
+                    <a:solidFill>
+                      <a:schemeClr val="bg1">
+                        <a:lumMod val="95000"/>
+                      </a:schemeClr>
+                    </a:solidFill>
+                  </a:tcPr>
+                </a:tc>
+                <a:extLst>
+                  <a:ext uri="{0D108BD9-81ED-4DB2-BD59-A6C34878D82A}">
+                    <a16:rowId xmlns:a16="http://schemas.microsoft.com/office/drawing/2014/main" val="2349949828"/>
+                  </a:ext>
+                </a:extLst>
+              </a:tr>
+              <a:tr h="854468">
+                <a:tc>
+                  <a:txBody>
+                    <a:bodyPr/>
+                    <a:lstStyle/>
+                    <a:p>
+                      <a:pPr marL="0" algn="l" defTabSz="914400" rtl="0" eaLnBrk="1" latinLnBrk="0" hangingPunct="1"/>
+                      <a:r>
+                        <a:rPr lang="en-US" sz="1400" kern="1200" dirty="0">
+                          <a:solidFill>
+                            <a:schemeClr val="dk1"/>
+                          </a:solidFill>
+                          <a:latin typeface="+mn-lt"/>
+                          <a:ea typeface="+mn-ea"/>
+                          <a:cs typeface="+mn-cs"/>
+                        </a:rPr>
+                        <a:t>GRU-ODE-BAYES</a:t>
+                      </a:r>
+                    </a:p>
+                  </a:txBody>
+                  <a:tcPr anchor="ctr">
+                    <a:solidFill>
+                      <a:schemeClr val="bg1">
+                        <a:lumMod val="95000"/>
+                      </a:schemeClr>
+                    </a:solidFill>
+                  </a:tcPr>
+                </a:tc>
+                <a:tc>
+                  <a:txBody>
+                    <a:bodyPr/>
+                    <a:lstStyle/>
+                    <a:p>
+                      <a:r>
+                        <a:rPr lang="en-US" sz="1400" dirty="0"/>
+                        <a:t>A Bayesian version of GRUs fitted by using Ordinary Differential Equations. It allows for the introduction of a</a:t>
+                      </a:r>
+                    </a:p>
+                  </a:txBody>
+                  <a:tcPr>
+                    <a:solidFill>
+                      <a:schemeClr val="bg1">
+                        <a:lumMod val="95000"/>
+                      </a:schemeClr>
+                    </a:solidFill>
+                  </a:tcPr>
+                </a:tc>
+                <a:extLst>
+                  <a:ext uri="{0D108BD9-81ED-4DB2-BD59-A6C34878D82A}">
+                    <a16:rowId xmlns:a16="http://schemas.microsoft.com/office/drawing/2014/main" val="4104975164"/>
+                  </a:ext>
+                </a:extLst>
+              </a:tr>
+            </a:tbl>
+          </a:graphicData>
+        </a:graphic>
+      </p:graphicFrame>
+      <p:sp>
+        <p:nvSpPr>
+          <p:cNvPr id="5" name="TextBox 4">
+            <a:extLst>
+              <a:ext uri="{FF2B5EF4-FFF2-40B4-BE49-F238E27FC236}">
+                <a16:creationId xmlns:a16="http://schemas.microsoft.com/office/drawing/2014/main" id="{002AAD4B-472D-4382-8834-848DCC8ECA44}"/>
+              </a:ext>
+            </a:extLst>
+          </p:cNvPr>
+          <p:cNvSpPr txBox="1"/>
+          <p:nvPr/>
+        </p:nvSpPr>
+        <p:spPr>
+          <a:xfrm>
+            <a:off x="703341" y="2031482"/>
+            <a:ext cx="3910197" cy="369332"/>
+          </a:xfrm>
+          <a:prstGeom prst="rect">
+            <a:avLst/>
+          </a:prstGeom>
+          <a:noFill/>
+        </p:spPr>
+        <p:txBody>
+          <a:bodyPr wrap="square" rtlCol="0">
+            <a:spAutoFit/>
+          </a:bodyPr>
+          <a:lstStyle/>
+          <a:p>
+            <a:r>
+              <a:rPr lang="en-US" b="1" dirty="0">
+                <a:solidFill>
+                  <a:schemeClr val="tx2"/>
+                </a:solidFill>
+              </a:rPr>
+              <a:t>Extra Data</a:t>
+            </a:r>
+          </a:p>
+        </p:txBody>
+      </p:sp>
+      <p:sp>
+        <p:nvSpPr>
+          <p:cNvPr id="8" name="TextBox 7">
+            <a:extLst>
+              <a:ext uri="{FF2B5EF4-FFF2-40B4-BE49-F238E27FC236}">
+                <a16:creationId xmlns:a16="http://schemas.microsoft.com/office/drawing/2014/main" id="{583A4537-F911-49C3-AB0A-347FF34403CB}"/>
+              </a:ext>
+            </a:extLst>
+          </p:cNvPr>
+          <p:cNvSpPr txBox="1"/>
+          <p:nvPr/>
+        </p:nvSpPr>
+        <p:spPr>
+          <a:xfrm>
+            <a:off x="6478265" y="2031482"/>
+            <a:ext cx="3910197" cy="369332"/>
+          </a:xfrm>
+          <a:prstGeom prst="rect">
+            <a:avLst/>
+          </a:prstGeom>
+          <a:noFill/>
+        </p:spPr>
+        <p:txBody>
+          <a:bodyPr wrap="square" rtlCol="0">
+            <a:spAutoFit/>
+          </a:bodyPr>
+          <a:lstStyle/>
+          <a:p>
+            <a:r>
+              <a:rPr lang="en-US" b="1" dirty="0">
+                <a:solidFill>
+                  <a:schemeClr val="tx2"/>
+                </a:solidFill>
+              </a:rPr>
+              <a:t>Extra Models</a:t>
+            </a:r>
+          </a:p>
+        </p:txBody>
+      </p:sp>
     </p:spTree>
     <p:extLst>
       <p:ext uri="{BB962C8B-B14F-4D97-AF65-F5344CB8AC3E}">
@@ -6312,7 +6862,7 @@
           <a:graphicData uri="http://schemas.openxmlformats.org/presentationml/2006/ole">
             <mc:AlternateContent xmlns:mc="http://schemas.openxmlformats.org/markup-compatibility/2006">
               <mc:Choice xmlns:v="urn:schemas-microsoft-com:vml" Requires="v">
-                <p:oleObj spid="_x0000_s41047" name="think-cell Slide" r:id="rId13" imgW="592" imgH="591" progId="TCLayout.ActiveDocument.1">
+                <p:oleObj spid="_x0000_s41054" name="think-cell Slide" r:id="rId13" imgW="592" imgH="591" progId="TCLayout.ActiveDocument.1">
                   <p:embed/>
                 </p:oleObj>
               </mc:Choice>
@@ -8381,7 +8931,7 @@
           <a:graphicData uri="http://schemas.openxmlformats.org/presentationml/2006/ole">
             <mc:AlternateContent xmlns:mc="http://schemas.openxmlformats.org/markup-compatibility/2006">
               <mc:Choice xmlns:v="urn:schemas-microsoft-com:vml" Requires="v">
-                <p:oleObj spid="_x0000_s43076" name="think-cell Slide" r:id="rId5" imgW="592" imgH="591" progId="TCLayout.ActiveDocument.1">
+                <p:oleObj spid="_x0000_s43083" name="think-cell Slide" r:id="rId5" imgW="592" imgH="591" progId="TCLayout.ActiveDocument.1">
                   <p:embed/>
                 </p:oleObj>
               </mc:Choice>
@@ -9448,7 +9998,7 @@
           <a:graphicData uri="http://schemas.openxmlformats.org/presentationml/2006/ole">
             <mc:AlternateContent xmlns:mc="http://schemas.openxmlformats.org/markup-compatibility/2006">
               <mc:Choice xmlns:v="urn:schemas-microsoft-com:vml" Requires="v">
-                <p:oleObj spid="_x0000_s45076" name="think-cell Slide" r:id="rId4" imgW="592" imgH="591" progId="TCLayout.ActiveDocument.1">
+                <p:oleObj spid="_x0000_s45083" name="think-cell Slide" r:id="rId4" imgW="592" imgH="591" progId="TCLayout.ActiveDocument.1">
                   <p:embed/>
                 </p:oleObj>
               </mc:Choice>
@@ -13088,7 +13638,7 @@
           <a:graphicData uri="http://schemas.openxmlformats.org/presentationml/2006/ole">
             <mc:AlternateContent xmlns:mc="http://schemas.openxmlformats.org/markup-compatibility/2006">
               <mc:Choice xmlns:v="urn:schemas-microsoft-com:vml" Requires="v">
-                <p:oleObj spid="_x0000_s49160" name="think-cell Slide" r:id="rId4" imgW="592" imgH="591" progId="TCLayout.ActiveDocument.1">
+                <p:oleObj spid="_x0000_s49168" name="think-cell Slide" r:id="rId4" imgW="592" imgH="591" progId="TCLayout.ActiveDocument.1">
                   <p:embed/>
                 </p:oleObj>
               </mc:Choice>
@@ -13259,7 +13809,7 @@
           <a:graphicData uri="http://schemas.openxmlformats.org/presentationml/2006/ole">
             <mc:AlternateContent xmlns:mc="http://schemas.openxmlformats.org/markup-compatibility/2006">
               <mc:Choice xmlns:v="urn:schemas-microsoft-com:vml" Requires="v">
-                <p:oleObj spid="_x0000_s50184" name="think-cell Slide" r:id="rId4" imgW="592" imgH="591" progId="TCLayout.ActiveDocument.1">
+                <p:oleObj spid="_x0000_s50191" name="think-cell Slide" r:id="rId4" imgW="592" imgH="591" progId="TCLayout.ActiveDocument.1">
                   <p:embed/>
                 </p:oleObj>
               </mc:Choice>
@@ -13430,7 +13980,7 @@
           <a:graphicData uri="http://schemas.openxmlformats.org/presentationml/2006/ole">
             <mc:AlternateContent xmlns:mc="http://schemas.openxmlformats.org/markup-compatibility/2006">
               <mc:Choice xmlns:v="urn:schemas-microsoft-com:vml" Requires="v">
-                <p:oleObj spid="_x0000_s51208" name="think-cell Slide" r:id="rId4" imgW="592" imgH="591" progId="TCLayout.ActiveDocument.1">
+                <p:oleObj spid="_x0000_s51215" name="think-cell Slide" r:id="rId4" imgW="592" imgH="591" progId="TCLayout.ActiveDocument.1">
                   <p:embed/>
                 </p:oleObj>
               </mc:Choice>
@@ -13861,7 +14411,7 @@
           <a:graphicData uri="http://schemas.openxmlformats.org/presentationml/2006/ole">
             <mc:AlternateContent xmlns:mc="http://schemas.openxmlformats.org/markup-compatibility/2006">
               <mc:Choice xmlns:v="urn:schemas-microsoft-com:vml" Requires="v">
-                <p:oleObj spid="_x0000_s52233" name="think-cell Slide" r:id="rId4" imgW="592" imgH="591" progId="TCLayout.ActiveDocument.1">
+                <p:oleObj spid="_x0000_s52240" name="think-cell Slide" r:id="rId4" imgW="592" imgH="591" progId="TCLayout.ActiveDocument.1">
                   <p:embed/>
                 </p:oleObj>
               </mc:Choice>
@@ -14339,7 +14889,7 @@
           <a:graphicData uri="http://schemas.openxmlformats.org/presentationml/2006/ole">
             <mc:AlternateContent xmlns:mc="http://schemas.openxmlformats.org/markup-compatibility/2006">
               <mc:Choice xmlns:v="urn:schemas-microsoft-com:vml" Requires="v">
-                <p:oleObj spid="_x0000_s53260" name="think-cell Slide" r:id="rId4" imgW="592" imgH="591" progId="TCLayout.ActiveDocument.1">
+                <p:oleObj spid="_x0000_s53267" name="think-cell Slide" r:id="rId4" imgW="592" imgH="591" progId="TCLayout.ActiveDocument.1">
                   <p:embed/>
                 </p:oleObj>
               </mc:Choice>
@@ -14475,7 +15025,7 @@
           <p:nvPr>
             <p:extLst>
               <p:ext uri="{D42A27DB-BD31-4B8C-83A1-F6EECF244321}">
-                <p14:modId xmlns:p14="http://schemas.microsoft.com/office/powerpoint/2010/main" val="1752229420"/>
+                <p14:modId xmlns:p14="http://schemas.microsoft.com/office/powerpoint/2010/main" val="3034186160"/>
               </p:ext>
             </p:extLst>
           </p:nvPr>
@@ -14888,7 +15438,7 @@
                             <a:srgbClr val="FF0000"/>
                           </a:solidFill>
                         </a:rPr>
-                        <a:t>0.22</a:t>
+                        <a:t>…</a:t>
                       </a:r>
                     </a:p>
                     <a:p>
@@ -14906,7 +15456,7 @@
                             <a:srgbClr val="FF0000"/>
                           </a:solidFill>
                         </a:rPr>
-                        <a:t>6.45</a:t>
+                        <a:t>…</a:t>
                       </a:r>
                     </a:p>
                   </a:txBody>
@@ -15086,7 +15636,7 @@
                       <a:r>
                         <a:rPr lang="en-US" sz="1400" dirty="0">
                           <a:solidFill>
-                            <a:srgbClr val="FF0000"/>
+                            <a:schemeClr val="tx1"/>
                           </a:solidFill>
                         </a:rPr>
                         <a:t>0.22</a:t>
@@ -15104,7 +15654,7 @@
                       <a:r>
                         <a:rPr lang="en-US" sz="1400" dirty="0">
                           <a:solidFill>
-                            <a:srgbClr val="FF0000"/>
+                            <a:schemeClr val="tx1"/>
                           </a:solidFill>
                         </a:rPr>
                         <a:t>6.45</a:t>
